--- a/lrec_service_wrapping 2014-05-20.pptx
+++ b/lrec_service_wrapping 2014-05-20.pptx
@@ -34,6 +34,8 @@
     <p:sldId id="279" r:id="rId31"/>
     <p:sldId id="280" r:id="rId32"/>
     <p:sldId id="281" r:id="rId33"/>
+    <p:sldId id="282" r:id="rId34"/>
+    <p:sldId id="283" r:id="rId35"/>
   </p:sldIdLst>
   <p:sldSz cx="13004800" cy="9753600"/>
   <p:notesSz cx="6858000" cy="9144000"/>
@@ -1886,11 +1888,21 @@
           <a:bodyPr/>
           <a:lstStyle/>
           <a:p>
-            <a:pPr lvl="0">
-              <a:defRPr sz="1800"/>
-            </a:pPr>
-            <a:r>
-              <a:rPr sz="8000"/>
+            <a:pPr lvl="0" defTabSz="560831">
+              <a:defRPr sz="1800"/>
+            </a:pPr>
+            <a:r>
+              <a:rPr sz="7679"/>
+              <a:t>Contributing to the Lapps Grid</a:t>
+            </a:r>
+            <a:endParaRPr sz="7679"/>
+          </a:p>
+          <a:p>
+            <a:pPr lvl="0" defTabSz="560831">
+              <a:defRPr sz="1800"/>
+            </a:pPr>
+            <a:r>
+              <a:rPr sz="5760"/>
               <a:t>Lapps Service Wrapping</a:t>
             </a:r>
           </a:p>
@@ -1961,7 +1973,7 @@
       </p:grpSpPr>
       <p:sp>
         <p:nvSpPr>
-          <p:cNvPr id="59" name="Shape 59"/>
+          <p:cNvPr id="64" name="Shape 64"/>
           <p:cNvSpPr/>
           <p:nvPr>
             <p:ph type="title"/>
@@ -1974,21 +1986,25 @@
         </p:spPr>
         <p:txBody>
           <a:bodyPr/>
-          <a:lstStyle/>
+          <a:lstStyle>
+            <a:lvl1pPr defTabSz="549148">
+              <a:defRPr sz="7519"/>
+            </a:lvl1pPr>
+          </a:lstStyle>
           <a:p>
             <a:pPr lvl="0">
               <a:defRPr sz="1800"/>
             </a:pPr>
             <a:r>
-              <a:rPr sz="8000"/>
-              <a:t>Hello World (Java)</a:t>
+              <a:rPr sz="7519"/>
+              <a:t>Service Wrapping Tutorial</a:t>
             </a:r>
           </a:p>
         </p:txBody>
       </p:sp>
       <p:sp>
         <p:nvSpPr>
-          <p:cNvPr id="60" name="Shape 60"/>
+          <p:cNvPr id="65" name="Shape 65"/>
           <p:cNvSpPr/>
           <p:nvPr>
             <p:ph type="body" idx="1"/>
@@ -2003,80 +2019,62 @@
           <a:bodyPr/>
           <a:lstStyle/>
           <a:p>
-            <a:pPr lvl="0"/>
-          </a:p>
-        </p:txBody>
-      </p:sp>
-      <p:pic>
-        <p:nvPicPr>
-          <p:cNvPr id="61" name="HelloWorld_class.png"/>
-          <p:cNvPicPr/>
-          <p:nvPr/>
-        </p:nvPicPr>
-        <p:blipFill>
-          <a:blip r:embed="rId2">
-            <a:extLst/>
-          </a:blip>
-          <a:stretch>
-            <a:fillRect/>
-          </a:stretch>
-        </p:blipFill>
-        <p:spPr>
-          <a:xfrm>
-            <a:off x="2025650" y="2209800"/>
-            <a:ext cx="8953500" cy="7073900"/>
-          </a:xfrm>
-          <a:prstGeom prst="rect">
-            <a:avLst/>
-          </a:prstGeom>
-          <a:ln w="12700">
-            <a:miter lim="400000"/>
-          </a:ln>
-        </p:spPr>
-      </p:pic>
-      <p:sp>
-        <p:nvSpPr>
-          <p:cNvPr id="62" name="Shape 62"/>
-          <p:cNvSpPr/>
-          <p:nvPr/>
-        </p:nvSpPr>
-        <p:spPr>
-          <a:xfrm>
-            <a:off x="1855266" y="9378949"/>
-            <a:ext cx="9294268" cy="469901"/>
-          </a:xfrm>
-          <a:prstGeom prst="rect">
-            <a:avLst/>
-          </a:prstGeom>
-          <a:ln w="12700">
-            <a:miter lim="400000"/>
-          </a:ln>
-          <a:extLst>
-            <a:ext uri="{C572A759-6A51-4108-AA02-DFA0A04FC94B}">
-              <ma14:wrappingTextBoxFlag xmlns:ma14="http://schemas.microsoft.com/office/mac/drawingml/2011/main" val="1"/>
-            </a:ext>
-          </a:extLst>
-        </p:spPr>
-        <p:txBody>
-          <a:bodyPr wrap="none" lIns="50800" tIns="50800" rIns="50800" bIns="50800" anchor="ctr">
-            <a:spAutoFit/>
-          </a:bodyPr>
-          <a:lstStyle>
-            <a:lvl1pPr>
-              <a:defRPr sz="2400" u="sng">
-                <a:hlinkClick r:id="rId3" invalidUrl="" action="" tgtFrame="" tooltip="" history="1" highlightClick="0" endSnd="0"/>
-              </a:defRPr>
-            </a:lvl1pPr>
-          </a:lstStyle>
-          <a:p>
             <a:pPr lvl="0">
-              <a:defRPr sz="1800" u="none"/>
-            </a:pPr>
-            <a:r>
-              <a:rPr sz="2400" u="sng">
-                <a:hlinkClick r:id="rId3" invalidUrl="" action="" tgtFrame="" tooltip="" history="1" highlightClick="0" endSnd="0"/>
-              </a:rPr>
-              <a:t>https://github.com/chunqishi/org.lappsgrid.example.java.helloworld</a:t>
+              <a:defRPr sz="1800"/>
+            </a:pPr>
+            <a:r>
+              <a:rPr sz="3600"/>
+              <a:t>Web Service: “Hello World!” </a:t>
+            </a:r>
+            <a:endParaRPr sz="3600"/>
+          </a:p>
+          <a:p>
+            <a:pPr lvl="1">
+              <a:defRPr sz="1800"/>
+            </a:pPr>
+            <a:r>
+              <a:rPr sz="3600"/>
+              <a:t>“Hello World” Program (Java) —&gt; WSDL </a:t>
+            </a:r>
+            <a:endParaRPr sz="3600"/>
+          </a:p>
+          <a:p>
+            <a:pPr lvl="0">
+              <a:defRPr sz="1800"/>
+            </a:pPr>
+            <a:r>
+              <a:rPr sz="3600"/>
+              <a:t>Lapps Service: “Stanford Tagger”</a:t>
+            </a:r>
+            <a:endParaRPr sz="3600"/>
+          </a:p>
+          <a:p>
+            <a:pPr lvl="1">
+              <a:defRPr sz="1800"/>
+            </a:pPr>
+            <a:r>
+              <a:rPr sz="3600"/>
+              <a:t>Stanford Tagger (Java) + Lapps API —&gt; WSDL</a:t>
+            </a:r>
+            <a:endParaRPr sz="3600"/>
+          </a:p>
+          <a:p>
+            <a:pPr lvl="0">
+              <a:defRPr sz="1800"/>
+            </a:pPr>
+            <a:r>
+              <a:rPr sz="3600"/>
+              <a:t>Lapps Service: “NLTK Tagger”</a:t>
+            </a:r>
+            <a:endParaRPr sz="3600"/>
+          </a:p>
+          <a:p>
+            <a:pPr lvl="1">
+              <a:defRPr sz="1800"/>
+            </a:pPr>
+            <a:r>
+              <a:rPr sz="3600"/>
+              <a:t>NLTK Tagger (Python) + Lapps API —&gt;WSDL</a:t>
             </a:r>
           </a:p>
         </p:txBody>
@@ -2109,7 +2107,7 @@
       </p:grpSpPr>
       <p:sp>
         <p:nvSpPr>
-          <p:cNvPr id="64" name="Shape 64"/>
+          <p:cNvPr id="67" name="Shape 67"/>
           <p:cNvSpPr/>
           <p:nvPr>
             <p:ph type="title"/>
@@ -2129,59 +2127,11 @@
             </a:pPr>
             <a:r>
               <a:rPr sz="8000"/>
-              <a:t>Interface Design </a:t>
+              <a:t>Web Service Wrapping</a:t>
             </a:r>
           </a:p>
         </p:txBody>
       </p:sp>
-      <p:sp>
-        <p:nvSpPr>
-          <p:cNvPr id="65" name="Shape 65"/>
-          <p:cNvSpPr/>
-          <p:nvPr>
-            <p:ph type="body" idx="1"/>
-          </p:nvPr>
-        </p:nvSpPr>
-        <p:spPr>
-          <a:prstGeom prst="rect">
-            <a:avLst/>
-          </a:prstGeom>
-        </p:spPr>
-        <p:txBody>
-          <a:bodyPr/>
-          <a:lstStyle/>
-          <a:p>
-            <a:pPr lvl="0"/>
-          </a:p>
-        </p:txBody>
-      </p:sp>
-      <p:pic>
-        <p:nvPicPr>
-          <p:cNvPr id="66" name="HelloWorld_interface.png"/>
-          <p:cNvPicPr/>
-          <p:nvPr/>
-        </p:nvPicPr>
-        <p:blipFill>
-          <a:blip r:embed="rId2">
-            <a:extLst/>
-          </a:blip>
-          <a:stretch>
-            <a:fillRect/>
-          </a:stretch>
-        </p:blipFill>
-        <p:spPr>
-          <a:xfrm>
-            <a:off x="1187450" y="2584450"/>
-            <a:ext cx="10629900" cy="7962900"/>
-          </a:xfrm>
-          <a:prstGeom prst="rect">
-            <a:avLst/>
-          </a:prstGeom>
-          <a:ln w="12700">
-            <a:miter lim="400000"/>
-          </a:ln>
-        </p:spPr>
-      </p:pic>
     </p:spTree>
   </p:cSld>
   <p:clrMapOvr>
@@ -2210,7 +2160,7 @@
       </p:grpSpPr>
       <p:sp>
         <p:nvSpPr>
-          <p:cNvPr id="68" name="Shape 68"/>
+          <p:cNvPr id="69" name="Shape 69"/>
           <p:cNvSpPr/>
           <p:nvPr>
             <p:ph type="title"/>
@@ -2230,14 +2180,14 @@
             </a:pPr>
             <a:r>
               <a:rPr sz="8000"/>
-              <a:t>Developing Template</a:t>
+              <a:t>Hello World (Java)</a:t>
             </a:r>
           </a:p>
         </p:txBody>
       </p:sp>
       <p:sp>
         <p:nvSpPr>
-          <p:cNvPr id="69" name="Shape 69"/>
+          <p:cNvPr id="70" name="Shape 70"/>
           <p:cNvSpPr/>
           <p:nvPr>
             <p:ph type="body" idx="1"/>
@@ -2252,95 +2202,80 @@
           <a:bodyPr/>
           <a:lstStyle/>
           <a:p>
-            <a:pPr lvl="0" marL="400050" indent="-400050" defTabSz="525779">
-              <a:spcBef>
-                <a:spcPts val="3700"/>
-              </a:spcBef>
-              <a:defRPr sz="1800"/>
-            </a:pPr>
-            <a:r>
-              <a:rPr sz="3239"/>
-              <a:t>Developing Template </a:t>
-            </a:r>
-            <a:endParaRPr sz="3239"/>
-          </a:p>
-          <a:p>
-            <a:pPr lvl="1" marL="800100" indent="-400050" defTabSz="525779">
-              <a:spcBef>
-                <a:spcPts val="3700"/>
-              </a:spcBef>
-              <a:defRPr sz="1800"/>
-            </a:pPr>
-            <a:r>
-              <a:rPr sz="3239"/>
-              <a:t>Maven for Dependency Library Management</a:t>
-            </a:r>
-            <a:endParaRPr sz="3239"/>
-          </a:p>
-          <a:p>
-            <a:pPr lvl="1" marL="800100" indent="-400050" defTabSz="525779">
-              <a:spcBef>
-                <a:spcPts val="3700"/>
-              </a:spcBef>
-              <a:defRPr sz="1800"/>
-            </a:pPr>
-            <a:r>
-              <a:rPr sz="3239"/>
-              <a:t>Github Repository</a:t>
-            </a:r>
-            <a:endParaRPr sz="3239"/>
-          </a:p>
-          <a:p>
-            <a:pPr lvl="2" marL="1200150" indent="-400050" defTabSz="525779">
-              <a:spcBef>
-                <a:spcPts val="3700"/>
-              </a:spcBef>
-              <a:defRPr sz="1800"/>
-            </a:pPr>
-            <a:r>
+            <a:pPr lvl="0"/>
+          </a:p>
+        </p:txBody>
+      </p:sp>
+      <p:pic>
+        <p:nvPicPr>
+          <p:cNvPr id="71" name="HelloWorld_class.png"/>
+          <p:cNvPicPr/>
+          <p:nvPr/>
+        </p:nvPicPr>
+        <p:blipFill>
+          <a:blip r:embed="rId2">
+            <a:extLst/>
+          </a:blip>
+          <a:stretch>
+            <a:fillRect/>
+          </a:stretch>
+        </p:blipFill>
+        <p:spPr>
+          <a:xfrm>
+            <a:off x="2025650" y="2209800"/>
+            <a:ext cx="8953500" cy="7073900"/>
+          </a:xfrm>
+          <a:prstGeom prst="rect">
+            <a:avLst/>
+          </a:prstGeom>
+          <a:ln w="12700">
+            <a:miter lim="400000"/>
+          </a:ln>
+        </p:spPr>
+      </p:pic>
+      <p:sp>
+        <p:nvSpPr>
+          <p:cNvPr id="72" name="Shape 72"/>
+          <p:cNvSpPr/>
+          <p:nvPr/>
+        </p:nvSpPr>
+        <p:spPr>
+          <a:xfrm>
+            <a:off x="1855266" y="9378949"/>
+            <a:ext cx="9294268" cy="469901"/>
+          </a:xfrm>
+          <a:prstGeom prst="rect">
+            <a:avLst/>
+          </a:prstGeom>
+          <a:ln w="12700">
+            <a:miter lim="400000"/>
+          </a:ln>
+          <a:extLst>
+            <a:ext uri="{C572A759-6A51-4108-AA02-DFA0A04FC94B}">
+              <ma14:wrappingTextBoxFlag xmlns:ma14="http://schemas.microsoft.com/office/mac/drawingml/2011/main" val="1"/>
+            </a:ext>
+          </a:extLst>
+        </p:spPr>
+        <p:txBody>
+          <a:bodyPr wrap="none" lIns="50800" tIns="50800" rIns="50800" bIns="50800" anchor="ctr">
+            <a:spAutoFit/>
+          </a:bodyPr>
+          <a:lstStyle>
+            <a:lvl1pPr>
+              <a:defRPr sz="2400" u="sng">
+                <a:hlinkClick r:id="rId3" invalidUrl="" action="" tgtFrame="" tooltip="" history="1" highlightClick="0" endSnd="0"/>
+              </a:defRPr>
+            </a:lvl1pPr>
+          </a:lstStyle>
+          <a:p>
+            <a:pPr lvl="0">
+              <a:defRPr sz="1800" u="none"/>
+            </a:pPr>
+            <a:r>
+              <a:rPr sz="2400" u="sng">
+                <a:hlinkClick r:id="rId3" invalidUrl="" action="" tgtFrame="" tooltip="" history="1" highlightClick="0" endSnd="0"/>
+              </a:rPr>
               <a:t>https://github.com/chunqishi/org.lappsgrid.example.java.helloworld</a:t>
-            </a:r>
-          </a:p>
-          <a:p>
-            <a:pPr lvl="0" marL="400050" indent="-400050" defTabSz="525779">
-              <a:spcBef>
-                <a:spcPts val="3700"/>
-              </a:spcBef>
-              <a:defRPr sz="1800"/>
-            </a:pPr>
-            <a:r>
-              <a:rPr sz="3239"/>
-              <a:t>Local Test</a:t>
-            </a:r>
-            <a:endParaRPr sz="3239"/>
-          </a:p>
-          <a:p>
-            <a:pPr lvl="1" marL="800100" indent="-400050" defTabSz="525779">
-              <a:spcBef>
-                <a:spcPts val="3700"/>
-              </a:spcBef>
-              <a:defRPr sz="1800"/>
-            </a:pPr>
-            <a:r>
-              <a:rPr sz="3239"/>
-              <a:t>Maven Compile/Package &amp; Jetty Server based Testing</a:t>
-            </a:r>
-            <a:endParaRPr sz="3239"/>
-          </a:p>
-          <a:p>
-            <a:pPr lvl="1" marL="800100" indent="-400050" defTabSz="525779">
-              <a:spcBef>
-                <a:spcPts val="3700"/>
-              </a:spcBef>
-              <a:defRPr sz="1800"/>
-            </a:pPr>
-            <a:r>
-              <a:rPr sz="3239"/>
-              <a:t>Command: </a:t>
-            </a:r>
-            <a:r>
-              <a:rPr i="1" sz="3239"/>
-              <a:t>mvn clean package jetty:run</a:t>
             </a:r>
           </a:p>
         </p:txBody>
@@ -2373,7 +2308,7 @@
       </p:grpSpPr>
       <p:sp>
         <p:nvSpPr>
-          <p:cNvPr id="71" name="Shape 71"/>
+          <p:cNvPr id="74" name="Shape 74"/>
           <p:cNvSpPr/>
           <p:nvPr>
             <p:ph type="title"/>
@@ -2393,14 +2328,14 @@
             </a:pPr>
             <a:r>
               <a:rPr sz="8000"/>
-              <a:t>Web Service WSDL</a:t>
+              <a:t>Interface Design </a:t>
             </a:r>
           </a:p>
         </p:txBody>
       </p:sp>
       <p:sp>
         <p:nvSpPr>
-          <p:cNvPr id="72" name="Shape 72"/>
+          <p:cNvPr id="75" name="Shape 75"/>
           <p:cNvSpPr/>
           <p:nvPr>
             <p:ph type="body" idx="1"/>
@@ -2421,7 +2356,7 @@
       </p:sp>
       <p:pic>
         <p:nvPicPr>
-          <p:cNvPr id="73" name="HelloWorld_wsdl.png"/>
+          <p:cNvPr id="76" name="HelloWorld_interface.png"/>
           <p:cNvPicPr/>
           <p:nvPr/>
         </p:nvPicPr>
@@ -2435,35 +2370,8 @@
         </p:blipFill>
         <p:spPr>
           <a:xfrm>
-            <a:off x="971550" y="2628900"/>
-            <a:ext cx="5003800" cy="2921000"/>
-          </a:xfrm>
-          <a:prstGeom prst="rect">
-            <a:avLst/>
-          </a:prstGeom>
-          <a:ln w="12700">
-            <a:miter lim="400000"/>
-          </a:ln>
-        </p:spPr>
-      </p:pic>
-      <p:pic>
-        <p:nvPicPr>
-          <p:cNvPr id="74" name="HelloWorld_jsonrpc.png"/>
-          <p:cNvPicPr/>
-          <p:nvPr/>
-        </p:nvPicPr>
-        <p:blipFill>
-          <a:blip r:embed="rId3">
-            <a:extLst/>
-          </a:blip>
-          <a:stretch>
-            <a:fillRect/>
-          </a:stretch>
-        </p:blipFill>
-        <p:spPr>
-          <a:xfrm>
-            <a:off x="4597400" y="3752850"/>
-            <a:ext cx="7048500" cy="7556500"/>
+            <a:off x="1187450" y="2584450"/>
+            <a:ext cx="10629900" cy="7962900"/>
           </a:xfrm>
           <a:prstGeom prst="rect">
             <a:avLst/>
@@ -2501,7 +2409,7 @@
       </p:grpSpPr>
       <p:sp>
         <p:nvSpPr>
-          <p:cNvPr id="76" name="Shape 76"/>
+          <p:cNvPr id="78" name="Shape 78"/>
           <p:cNvSpPr/>
           <p:nvPr>
             <p:ph type="title"/>
@@ -2521,7 +2429,117 @@
             </a:pPr>
             <a:r>
               <a:rPr sz="8000"/>
-              <a:t>Lapps Service Wrapping (Java)</a:t>
+              <a:t>Developing Template</a:t>
+            </a:r>
+          </a:p>
+        </p:txBody>
+      </p:sp>
+      <p:sp>
+        <p:nvSpPr>
+          <p:cNvPr id="79" name="Shape 79"/>
+          <p:cNvSpPr/>
+          <p:nvPr>
+            <p:ph type="body" idx="1"/>
+          </p:nvPr>
+        </p:nvSpPr>
+        <p:spPr>
+          <a:prstGeom prst="rect">
+            <a:avLst/>
+          </a:prstGeom>
+        </p:spPr>
+        <p:txBody>
+          <a:bodyPr/>
+          <a:lstStyle/>
+          <a:p>
+            <a:pPr lvl="0" marL="400050" indent="-400050" defTabSz="525779">
+              <a:spcBef>
+                <a:spcPts val="3700"/>
+              </a:spcBef>
+              <a:defRPr sz="1800"/>
+            </a:pPr>
+            <a:r>
+              <a:rPr sz="3239"/>
+              <a:t>Developing Template </a:t>
+            </a:r>
+            <a:endParaRPr sz="3239"/>
+          </a:p>
+          <a:p>
+            <a:pPr lvl="1" marL="800100" indent="-400050" defTabSz="525779">
+              <a:spcBef>
+                <a:spcPts val="3700"/>
+              </a:spcBef>
+              <a:defRPr sz="1800"/>
+            </a:pPr>
+            <a:r>
+              <a:rPr sz="3239"/>
+              <a:t>Maven for Dependency Library Management</a:t>
+            </a:r>
+            <a:endParaRPr sz="3239"/>
+          </a:p>
+          <a:p>
+            <a:pPr lvl="1" marL="800100" indent="-400050" defTabSz="525779">
+              <a:spcBef>
+                <a:spcPts val="3700"/>
+              </a:spcBef>
+              <a:defRPr sz="1800"/>
+            </a:pPr>
+            <a:r>
+              <a:rPr sz="3239"/>
+              <a:t>Github Repository</a:t>
+            </a:r>
+            <a:endParaRPr sz="3239"/>
+          </a:p>
+          <a:p>
+            <a:pPr lvl="2" marL="1200150" indent="-400050" defTabSz="525779">
+              <a:spcBef>
+                <a:spcPts val="3700"/>
+              </a:spcBef>
+              <a:defRPr sz="1800"/>
+            </a:pPr>
+            <a:r>
+              <a:t>https://github.com/chunqishi/org.lappsgrid.example.java.helloworld</a:t>
+            </a:r>
+          </a:p>
+          <a:p>
+            <a:pPr lvl="0" marL="400050" indent="-400050" defTabSz="525779">
+              <a:spcBef>
+                <a:spcPts val="3700"/>
+              </a:spcBef>
+              <a:defRPr sz="1800"/>
+            </a:pPr>
+            <a:r>
+              <a:rPr sz="3239"/>
+              <a:t>Local Test</a:t>
+            </a:r>
+            <a:endParaRPr sz="3239"/>
+          </a:p>
+          <a:p>
+            <a:pPr lvl="1" marL="800100" indent="-400050" defTabSz="525779">
+              <a:spcBef>
+                <a:spcPts val="3700"/>
+              </a:spcBef>
+              <a:defRPr sz="1800"/>
+            </a:pPr>
+            <a:r>
+              <a:rPr sz="3239"/>
+              <a:t>Maven Compile/Package &amp; Jetty Server based Testing</a:t>
+            </a:r>
+            <a:endParaRPr sz="3239"/>
+          </a:p>
+          <a:p>
+            <a:pPr lvl="1" marL="800100" indent="-400050" defTabSz="525779">
+              <a:spcBef>
+                <a:spcPts val="3700"/>
+              </a:spcBef>
+              <a:defRPr sz="1800"/>
+            </a:pPr>
+            <a:r>
+              <a:rPr sz="3239"/>
+              <a:t>Command: </a:t>
+            </a:r>
+            <a:r>
+              <a:rPr i="1" sz="3239"/>
+              <a:t>mvn clean package jetty:run</a:t>
             </a:r>
           </a:p>
         </p:txBody>
@@ -2554,7 +2572,7 @@
       </p:grpSpPr>
       <p:sp>
         <p:nvSpPr>
-          <p:cNvPr id="78" name="Shape 78"/>
+          <p:cNvPr id="81" name="Shape 81"/>
           <p:cNvSpPr/>
           <p:nvPr>
             <p:ph type="title"/>
@@ -2574,14 +2592,14 @@
             </a:pPr>
             <a:r>
               <a:rPr sz="8000"/>
-              <a:t>Developing Template</a:t>
+              <a:t>Web Service WSDL</a:t>
             </a:r>
           </a:p>
         </p:txBody>
       </p:sp>
       <p:sp>
         <p:nvSpPr>
-          <p:cNvPr id="79" name="Shape 79"/>
+          <p:cNvPr id="82" name="Shape 82"/>
           <p:cNvSpPr/>
           <p:nvPr>
             <p:ph type="body" idx="1"/>
@@ -2600,16 +2618,24 @@
           </a:p>
         </p:txBody>
       </p:sp>
-      <p:sp>
-        <p:nvSpPr>
-          <p:cNvPr id="80" name="Shape 80"/>
-          <p:cNvSpPr/>
+      <p:pic>
+        <p:nvPicPr>
+          <p:cNvPr id="83" name="HelloWorld_wsdl.png"/>
+          <p:cNvPicPr/>
           <p:nvPr/>
-        </p:nvSpPr>
+        </p:nvPicPr>
+        <p:blipFill>
+          <a:blip r:embed="rId2">
+            <a:extLst/>
+          </a:blip>
+          <a:stretch>
+            <a:fillRect/>
+          </a:stretch>
+        </p:blipFill>
         <p:spPr>
           <a:xfrm>
-            <a:off x="1635607" y="8502649"/>
-            <a:ext cx="9441486" cy="469901"/>
+            <a:off x="971550" y="2628900"/>
+            <a:ext cx="5003800" cy="2921000"/>
           </a:xfrm>
           <a:prstGeom prst="rect">
             <a:avLst/>
@@ -2617,39 +2643,11 @@
           <a:ln w="12700">
             <a:miter lim="400000"/>
           </a:ln>
-          <a:extLst>
-            <a:ext uri="{C572A759-6A51-4108-AA02-DFA0A04FC94B}">
-              <ma14:wrappingTextBoxFlag xmlns:ma14="http://schemas.microsoft.com/office/mac/drawingml/2011/main" val="1"/>
-            </a:ext>
-          </a:extLst>
-        </p:spPr>
-        <p:txBody>
-          <a:bodyPr wrap="none" lIns="50800" tIns="50800" rIns="50800" bIns="50800" anchor="ctr">
-            <a:spAutoFit/>
-          </a:bodyPr>
-          <a:lstStyle>
-            <a:lvl1pPr>
-              <a:defRPr sz="2400" u="sng">
-                <a:hlinkClick r:id="rId2" invalidUrl="" action="" tgtFrame="" tooltip="" history="1" highlightClick="0" endSnd="0"/>
-              </a:defRPr>
-            </a:lvl1pPr>
-          </a:lstStyle>
-          <a:p>
-            <a:pPr lvl="0">
-              <a:defRPr sz="1800" u="none"/>
-            </a:pPr>
-            <a:r>
-              <a:rPr sz="2400" u="sng">
-                <a:hlinkClick r:id="rId2" invalidUrl="" action="" tgtFrame="" tooltip="" history="1" highlightClick="0" endSnd="0"/>
-              </a:rPr>
-              <a:t>https://github.com/chunqishi/org.lappsgrid.example.java.stanfordnlp</a:t>
-            </a:r>
-          </a:p>
-        </p:txBody>
-      </p:sp>
+        </p:spPr>
+      </p:pic>
       <p:pic>
         <p:nvPicPr>
-          <p:cNvPr id="81" name="Stanford_Taggger_class.png"/>
+          <p:cNvPr id="84" name="HelloWorld_jsonrpc.png"/>
           <p:cNvPicPr/>
           <p:nvPr/>
         </p:nvPicPr>
@@ -2663,8 +2661,8 @@
         </p:blipFill>
         <p:spPr>
           <a:xfrm>
-            <a:off x="1174750" y="2603500"/>
-            <a:ext cx="9994077" cy="5952354"/>
+            <a:off x="4597400" y="3752850"/>
+            <a:ext cx="7048500" cy="7556500"/>
           </a:xfrm>
           <a:prstGeom prst="rect">
             <a:avLst/>
@@ -2702,7 +2700,7 @@
       </p:grpSpPr>
       <p:sp>
         <p:nvSpPr>
-          <p:cNvPr id="83" name="Shape 83"/>
+          <p:cNvPr id="86" name="Shape 86"/>
           <p:cNvSpPr/>
           <p:nvPr>
             <p:ph type="title"/>
@@ -2715,156 +2713,18 @@
         </p:spPr>
         <p:txBody>
           <a:bodyPr/>
-          <a:lstStyle>
-            <a:lvl1pPr defTabSz="531622">
-              <a:defRPr sz="7280"/>
-            </a:lvl1pPr>
-          </a:lstStyle>
+          <a:lstStyle/>
           <a:p>
             <a:pPr lvl="0">
               <a:defRPr sz="1800"/>
             </a:pPr>
             <a:r>
-              <a:rPr sz="7280"/>
-              <a:t>Stanford Tagger Wrapping</a:t>
+              <a:rPr sz="8000"/>
+              <a:t>Lapps Service Wrapping (Java)</a:t>
             </a:r>
           </a:p>
         </p:txBody>
       </p:sp>
-      <p:sp>
-        <p:nvSpPr>
-          <p:cNvPr id="84" name="Shape 84"/>
-          <p:cNvSpPr/>
-          <p:nvPr>
-            <p:ph type="body" idx="1"/>
-          </p:nvPr>
-        </p:nvSpPr>
-        <p:spPr>
-          <a:prstGeom prst="rect">
-            <a:avLst/>
-          </a:prstGeom>
-        </p:spPr>
-        <p:txBody>
-          <a:bodyPr/>
-          <a:lstStyle/>
-          <a:p>
-            <a:pPr lvl="0" marL="391159" indent="-391159" defTabSz="514095">
-              <a:spcBef>
-                <a:spcPts val="3600"/>
-              </a:spcBef>
-              <a:defRPr sz="1800"/>
-            </a:pPr>
-            <a:r>
-              <a:rPr sz="3168"/>
-              <a:t>Java Wrapping</a:t>
-            </a:r>
-            <a:endParaRPr sz="3168"/>
-          </a:p>
-          <a:p>
-            <a:pPr lvl="0" marL="391159" indent="-391159" defTabSz="514095">
-              <a:spcBef>
-                <a:spcPts val="3600"/>
-              </a:spcBef>
-              <a:defRPr sz="1800"/>
-            </a:pPr>
-            <a:endParaRPr sz="3168"/>
-          </a:p>
-          <a:p>
-            <a:pPr lvl="0" marL="391159" indent="-391159" defTabSz="514095">
-              <a:spcBef>
-                <a:spcPts val="3600"/>
-              </a:spcBef>
-              <a:defRPr sz="1800"/>
-            </a:pPr>
-            <a:endParaRPr sz="3168"/>
-          </a:p>
-          <a:p>
-            <a:pPr lvl="0" marL="391159" indent="-391159" defTabSz="514095">
-              <a:spcBef>
-                <a:spcPts val="3600"/>
-              </a:spcBef>
-              <a:defRPr sz="1800"/>
-            </a:pPr>
-            <a:endParaRPr sz="3168"/>
-          </a:p>
-          <a:p>
-            <a:pPr lvl="0" marL="391159" indent="-391159" defTabSz="514095">
-              <a:spcBef>
-                <a:spcPts val="3600"/>
-              </a:spcBef>
-              <a:defRPr sz="1800"/>
-            </a:pPr>
-            <a:r>
-              <a:rPr sz="3168"/>
-              <a:t>Jetty Running</a:t>
-            </a:r>
-            <a:endParaRPr sz="3168"/>
-          </a:p>
-          <a:p>
-            <a:pPr lvl="0" marL="391159" indent="-391159" defTabSz="514095">
-              <a:spcBef>
-                <a:spcPts val="3600"/>
-              </a:spcBef>
-              <a:defRPr sz="1800"/>
-            </a:pPr>
-            <a:endParaRPr sz="3168"/>
-          </a:p>
-        </p:txBody>
-      </p:sp>
-      <p:pic>
-        <p:nvPicPr>
-          <p:cNvPr id="85" name="Stanford_Tagger_java.png"/>
-          <p:cNvPicPr/>
-          <p:nvPr/>
-        </p:nvPicPr>
-        <p:blipFill>
-          <a:blip r:embed="rId2">
-            <a:extLst/>
-          </a:blip>
-          <a:stretch>
-            <a:fillRect/>
-          </a:stretch>
-        </p:blipFill>
-        <p:spPr>
-          <a:xfrm>
-            <a:off x="4489450" y="2801937"/>
-            <a:ext cx="7632700" cy="3454401"/>
-          </a:xfrm>
-          <a:prstGeom prst="rect">
-            <a:avLst/>
-          </a:prstGeom>
-          <a:ln w="12700">
-            <a:miter lim="400000"/>
-          </a:ln>
-        </p:spPr>
-      </p:pic>
-      <p:pic>
-        <p:nvPicPr>
-          <p:cNvPr id="86" name="jetty_run_memory.png"/>
-          <p:cNvPicPr/>
-          <p:nvPr/>
-        </p:nvPicPr>
-        <p:blipFill>
-          <a:blip r:embed="rId3">
-            <a:extLst/>
-          </a:blip>
-          <a:stretch>
-            <a:fillRect/>
-          </a:stretch>
-        </p:blipFill>
-        <p:spPr>
-          <a:xfrm>
-            <a:off x="4432300" y="6899275"/>
-            <a:ext cx="7428866" cy="1641803"/>
-          </a:xfrm>
-          <a:prstGeom prst="rect">
-            <a:avLst/>
-          </a:prstGeom>
-          <a:ln w="12700">
-            <a:miter lim="400000"/>
-          </a:ln>
-        </p:spPr>
-      </p:pic>
     </p:spTree>
   </p:cSld>
   <p:clrMapOvr>
@@ -2913,7 +2773,7 @@
             </a:pPr>
             <a:r>
               <a:rPr sz="8000"/>
-              <a:t>Stanford Tagger Testing</a:t>
+              <a:t>Developing Template</a:t>
             </a:r>
           </a:p>
         </p:txBody>
@@ -2935,99 +2795,60 @@
           <a:bodyPr/>
           <a:lstStyle/>
           <a:p>
-            <a:pPr lvl="0" marL="391159" indent="-391159" defTabSz="514095">
-              <a:spcBef>
-                <a:spcPts val="3600"/>
-              </a:spcBef>
-              <a:defRPr sz="1800"/>
-            </a:pPr>
-            <a:r>
-              <a:rPr sz="3168"/>
-              <a:t>Local Service</a:t>
-            </a:r>
-            <a:endParaRPr sz="3168"/>
-          </a:p>
-          <a:p>
-            <a:pPr lvl="0" marL="391159" indent="-391159" defTabSz="514095">
-              <a:spcBef>
-                <a:spcPts val="3600"/>
-              </a:spcBef>
-              <a:defRPr sz="1800"/>
-            </a:pPr>
-            <a:endParaRPr sz="3168"/>
-          </a:p>
-          <a:p>
-            <a:pPr lvl="0" marL="391159" indent="-391159" defTabSz="514095">
-              <a:spcBef>
-                <a:spcPts val="3600"/>
-              </a:spcBef>
-              <a:defRPr sz="1800"/>
-            </a:pPr>
-            <a:endParaRPr sz="3168"/>
-          </a:p>
-          <a:p>
-            <a:pPr lvl="0" marL="391159" indent="-391159" defTabSz="514095">
-              <a:spcBef>
-                <a:spcPts val="3600"/>
-              </a:spcBef>
-              <a:defRPr sz="1800"/>
-            </a:pPr>
-            <a:r>
-              <a:rPr sz="3168"/>
-              <a:t>SoapUI Testing</a:t>
-            </a:r>
-            <a:endParaRPr sz="3168"/>
-          </a:p>
-          <a:p>
-            <a:pPr lvl="0" marL="391159" indent="-391159" defTabSz="514095">
-              <a:spcBef>
-                <a:spcPts val="3600"/>
-              </a:spcBef>
-              <a:defRPr sz="1800"/>
-            </a:pPr>
-            <a:endParaRPr sz="3168"/>
-          </a:p>
-          <a:p>
-            <a:pPr lvl="0" marL="391159" indent="-391159" defTabSz="514095">
-              <a:spcBef>
-                <a:spcPts val="3600"/>
-              </a:spcBef>
-              <a:defRPr sz="1800"/>
-            </a:pPr>
-            <a:endParaRPr sz="3168"/>
+            <a:pPr lvl="0"/>
+          </a:p>
+        </p:txBody>
+      </p:sp>
+      <p:sp>
+        <p:nvSpPr>
+          <p:cNvPr id="90" name="Shape 90"/>
+          <p:cNvSpPr/>
+          <p:nvPr/>
+        </p:nvSpPr>
+        <p:spPr>
+          <a:xfrm>
+            <a:off x="1635607" y="8502649"/>
+            <a:ext cx="9441486" cy="469901"/>
+          </a:xfrm>
+          <a:prstGeom prst="rect">
+            <a:avLst/>
+          </a:prstGeom>
+          <a:ln w="12700">
+            <a:miter lim="400000"/>
+          </a:ln>
+          <a:extLst>
+            <a:ext uri="{C572A759-6A51-4108-AA02-DFA0A04FC94B}">
+              <ma14:wrappingTextBoxFlag xmlns:ma14="http://schemas.microsoft.com/office/mac/drawingml/2011/main" val="1"/>
+            </a:ext>
+          </a:extLst>
+        </p:spPr>
+        <p:txBody>
+          <a:bodyPr wrap="none" lIns="50800" tIns="50800" rIns="50800" bIns="50800" anchor="ctr">
+            <a:spAutoFit/>
+          </a:bodyPr>
+          <a:lstStyle>
+            <a:lvl1pPr>
+              <a:defRPr sz="2400" u="sng">
+                <a:hlinkClick r:id="rId2" invalidUrl="" action="" tgtFrame="" tooltip="" history="1" highlightClick="0" endSnd="0"/>
+              </a:defRPr>
+            </a:lvl1pPr>
+          </a:lstStyle>
+          <a:p>
+            <a:pPr lvl="0">
+              <a:defRPr sz="1800" u="none"/>
+            </a:pPr>
+            <a:r>
+              <a:rPr sz="2400" u="sng">
+                <a:hlinkClick r:id="rId2" invalidUrl="" action="" tgtFrame="" tooltip="" history="1" highlightClick="0" endSnd="0"/>
+              </a:rPr>
+              <a:t>https://github.com/chunqishi/org.lappsgrid.example.java.stanfordnlp</a:t>
+            </a:r>
           </a:p>
         </p:txBody>
       </p:sp>
       <p:pic>
         <p:nvPicPr>
-          <p:cNvPr id="90" name="Stanford_wsdl.png"/>
-          <p:cNvPicPr/>
-          <p:nvPr/>
-        </p:nvPicPr>
-        <p:blipFill>
-          <a:blip r:embed="rId2">
-            <a:extLst/>
-          </a:blip>
-          <a:stretch>
-            <a:fillRect/>
-          </a:stretch>
-        </p:blipFill>
-        <p:spPr>
-          <a:xfrm>
-            <a:off x="5181600" y="2565400"/>
-            <a:ext cx="5397500" cy="2616200"/>
-          </a:xfrm>
-          <a:prstGeom prst="rect">
-            <a:avLst/>
-          </a:prstGeom>
-          <a:ln w="12700">
-            <a:miter lim="400000"/>
-          </a:ln>
-        </p:spPr>
-      </p:pic>
-      <p:pic>
-        <p:nvPicPr>
-          <p:cNvPr id="91" name="SoapUI_wsdl.png"/>
+          <p:cNvPr id="91" name="Stanford_Taggger_class.png"/>
           <p:cNvPicPr/>
           <p:nvPr/>
         </p:nvPicPr>
@@ -3041,8 +2862,8 @@
         </p:blipFill>
         <p:spPr>
           <a:xfrm>
-            <a:off x="5200650" y="5480050"/>
-            <a:ext cx="7363815" cy="4654684"/>
+            <a:off x="1174750" y="2603500"/>
+            <a:ext cx="9994077" cy="5952354"/>
           </a:xfrm>
           <a:prstGeom prst="rect">
             <a:avLst/>
@@ -3094,8 +2915,8 @@
         <p:txBody>
           <a:bodyPr/>
           <a:lstStyle>
-            <a:lvl1pPr defTabSz="490727">
-              <a:defRPr sz="6719"/>
+            <a:lvl1pPr defTabSz="531622">
+              <a:defRPr sz="7280"/>
             </a:lvl1pPr>
           </a:lstStyle>
           <a:p>
@@ -3103,8 +2924,8 @@
               <a:defRPr sz="1800"/>
             </a:pPr>
             <a:r>
-              <a:rPr sz="6719"/>
-              <a:t>Stanford Tagger Testing Result</a:t>
+              <a:rPr sz="7280"/>
+              <a:t>Stanford Tagger Wrapping</a:t>
             </a:r>
           </a:p>
         </p:txBody>
@@ -3118,10 +2939,6 @@
           </p:nvPr>
         </p:nvSpPr>
         <p:spPr>
-          <a:xfrm>
-            <a:off x="291554" y="2603500"/>
-            <a:ext cx="11760746" cy="6286500"/>
-          </a:xfrm>
           <a:prstGeom prst="rect">
             <a:avLst/>
           </a:prstGeom>
@@ -3138,7 +2955,7 @@
             </a:pPr>
             <a:r>
               <a:rPr sz="3168"/>
-              <a:t>Request</a:t>
+              <a:t>Java Wrapping</a:t>
             </a:r>
             <a:endParaRPr sz="3168"/>
           </a:p>
@@ -3167,19 +2984,19 @@
               </a:spcBef>
               <a:defRPr sz="1800"/>
             </a:pPr>
+            <a:endParaRPr sz="3168"/>
+          </a:p>
+          <a:p>
+            <a:pPr lvl="0" marL="391159" indent="-391159" defTabSz="514095">
+              <a:spcBef>
+                <a:spcPts val="3600"/>
+              </a:spcBef>
+              <a:defRPr sz="1800"/>
+            </a:pPr>
             <a:r>
               <a:rPr sz="3168"/>
-              <a:t>Response</a:t>
-            </a:r>
-            <a:endParaRPr sz="3168"/>
-          </a:p>
-          <a:p>
-            <a:pPr lvl="0" marL="391159" indent="-391159" defTabSz="514095">
-              <a:spcBef>
-                <a:spcPts val="3600"/>
-              </a:spcBef>
-              <a:defRPr sz="1800"/>
-            </a:pPr>
+              <a:t>Jetty Running</a:t>
+            </a:r>
             <a:endParaRPr sz="3168"/>
           </a:p>
           <a:p>
@@ -3195,7 +3012,7 @@
       </p:sp>
       <p:pic>
         <p:nvPicPr>
-          <p:cNvPr id="95" name="Stanford_Tagger_Request_xml.png"/>
+          <p:cNvPr id="95" name="Stanford_Tagger_java.png"/>
           <p:cNvPicPr/>
           <p:nvPr/>
         </p:nvPicPr>
@@ -3209,8 +3026,8 @@
         </p:blipFill>
         <p:spPr>
           <a:xfrm>
-            <a:off x="2819400" y="2635250"/>
-            <a:ext cx="9728200" cy="2552700"/>
+            <a:off x="4489450" y="2801937"/>
+            <a:ext cx="7632700" cy="3454401"/>
           </a:xfrm>
           <a:prstGeom prst="rect">
             <a:avLst/>
@@ -3222,7 +3039,7 @@
       </p:pic>
       <p:pic>
         <p:nvPicPr>
-          <p:cNvPr id="96" name="Stanford_Tagger_Result_xml.png"/>
+          <p:cNvPr id="96" name="jetty_run_memory.png"/>
           <p:cNvPicPr/>
           <p:nvPr/>
         </p:nvPicPr>
@@ -3236,8 +3053,8 @@
         </p:blipFill>
         <p:spPr>
           <a:xfrm>
-            <a:off x="2825750" y="5448300"/>
-            <a:ext cx="9537700" cy="4953000"/>
+            <a:off x="4432300" y="6899275"/>
+            <a:ext cx="7428866" cy="1641803"/>
           </a:xfrm>
           <a:prstGeom prst="rect">
             <a:avLst/>
@@ -3295,11 +3112,145 @@
             </a:pPr>
             <a:r>
               <a:rPr sz="8000"/>
-              <a:t>Lapps Service Wrapping (Python)</a:t>
+              <a:t>Stanford Tagger Testing</a:t>
             </a:r>
           </a:p>
         </p:txBody>
       </p:sp>
+      <p:sp>
+        <p:nvSpPr>
+          <p:cNvPr id="99" name="Shape 99"/>
+          <p:cNvSpPr/>
+          <p:nvPr>
+            <p:ph type="body" idx="1"/>
+          </p:nvPr>
+        </p:nvSpPr>
+        <p:spPr>
+          <a:prstGeom prst="rect">
+            <a:avLst/>
+          </a:prstGeom>
+        </p:spPr>
+        <p:txBody>
+          <a:bodyPr/>
+          <a:lstStyle/>
+          <a:p>
+            <a:pPr lvl="0" marL="391159" indent="-391159" defTabSz="514095">
+              <a:spcBef>
+                <a:spcPts val="3600"/>
+              </a:spcBef>
+              <a:defRPr sz="1800"/>
+            </a:pPr>
+            <a:r>
+              <a:rPr sz="3168"/>
+              <a:t>Local Service</a:t>
+            </a:r>
+            <a:endParaRPr sz="3168"/>
+          </a:p>
+          <a:p>
+            <a:pPr lvl="0" marL="391159" indent="-391159" defTabSz="514095">
+              <a:spcBef>
+                <a:spcPts val="3600"/>
+              </a:spcBef>
+              <a:defRPr sz="1800"/>
+            </a:pPr>
+            <a:endParaRPr sz="3168"/>
+          </a:p>
+          <a:p>
+            <a:pPr lvl="0" marL="391159" indent="-391159" defTabSz="514095">
+              <a:spcBef>
+                <a:spcPts val="3600"/>
+              </a:spcBef>
+              <a:defRPr sz="1800"/>
+            </a:pPr>
+            <a:endParaRPr sz="3168"/>
+          </a:p>
+          <a:p>
+            <a:pPr lvl="0" marL="391159" indent="-391159" defTabSz="514095">
+              <a:spcBef>
+                <a:spcPts val="3600"/>
+              </a:spcBef>
+              <a:defRPr sz="1800"/>
+            </a:pPr>
+            <a:r>
+              <a:rPr sz="3168"/>
+              <a:t>SoapUI Testing</a:t>
+            </a:r>
+            <a:endParaRPr sz="3168"/>
+          </a:p>
+          <a:p>
+            <a:pPr lvl="0" marL="391159" indent="-391159" defTabSz="514095">
+              <a:spcBef>
+                <a:spcPts val="3600"/>
+              </a:spcBef>
+              <a:defRPr sz="1800"/>
+            </a:pPr>
+            <a:endParaRPr sz="3168"/>
+          </a:p>
+          <a:p>
+            <a:pPr lvl="0" marL="391159" indent="-391159" defTabSz="514095">
+              <a:spcBef>
+                <a:spcPts val="3600"/>
+              </a:spcBef>
+              <a:defRPr sz="1800"/>
+            </a:pPr>
+            <a:endParaRPr sz="3168"/>
+          </a:p>
+        </p:txBody>
+      </p:sp>
+      <p:pic>
+        <p:nvPicPr>
+          <p:cNvPr id="100" name="Stanford_wsdl.png"/>
+          <p:cNvPicPr/>
+          <p:nvPr/>
+        </p:nvPicPr>
+        <p:blipFill>
+          <a:blip r:embed="rId2">
+            <a:extLst/>
+          </a:blip>
+          <a:stretch>
+            <a:fillRect/>
+          </a:stretch>
+        </p:blipFill>
+        <p:spPr>
+          <a:xfrm>
+            <a:off x="5181600" y="2565400"/>
+            <a:ext cx="5397500" cy="2616200"/>
+          </a:xfrm>
+          <a:prstGeom prst="rect">
+            <a:avLst/>
+          </a:prstGeom>
+          <a:ln w="12700">
+            <a:miter lim="400000"/>
+          </a:ln>
+        </p:spPr>
+      </p:pic>
+      <p:pic>
+        <p:nvPicPr>
+          <p:cNvPr id="101" name="SoapUI_wsdl.png"/>
+          <p:cNvPicPr/>
+          <p:nvPr/>
+        </p:nvPicPr>
+        <p:blipFill>
+          <a:blip r:embed="rId3">
+            <a:extLst/>
+          </a:blip>
+          <a:stretch>
+            <a:fillRect/>
+          </a:stretch>
+        </p:blipFill>
+        <p:spPr>
+          <a:xfrm>
+            <a:off x="5200650" y="5480050"/>
+            <a:ext cx="7363815" cy="4654684"/>
+          </a:xfrm>
+          <a:prstGeom prst="rect">
+            <a:avLst/>
+          </a:prstGeom>
+          <a:ln w="12700">
+            <a:miter lim="400000"/>
+          </a:ln>
+        </p:spPr>
+      </p:pic>
     </p:spTree>
   </p:cSld>
   <p:clrMapOvr>
@@ -3378,7 +3329,7 @@
             </a:pPr>
             <a:r>
               <a:rPr sz="3168"/>
-              <a:t>Overview</a:t>
+              <a:t>Introduction</a:t>
             </a:r>
             <a:endParaRPr sz="3168"/>
           </a:p>
@@ -3489,7 +3440,7 @@
       </p:grpSpPr>
       <p:sp>
         <p:nvSpPr>
-          <p:cNvPr id="100" name="Shape 100"/>
+          <p:cNvPr id="103" name="Shape 103"/>
           <p:cNvSpPr/>
           <p:nvPr>
             <p:ph type="title"/>
@@ -3502,27 +3453,35 @@
         </p:spPr>
         <p:txBody>
           <a:bodyPr/>
-          <a:lstStyle/>
+          <a:lstStyle>
+            <a:lvl1pPr defTabSz="490727">
+              <a:defRPr sz="6719"/>
+            </a:lvl1pPr>
+          </a:lstStyle>
           <a:p>
             <a:pPr lvl="0">
               <a:defRPr sz="1800"/>
             </a:pPr>
             <a:r>
-              <a:rPr sz="8000"/>
-              <a:t>Developing Template</a:t>
+              <a:rPr sz="6719"/>
+              <a:t>Stanford Tagger Testing Result</a:t>
             </a:r>
           </a:p>
         </p:txBody>
       </p:sp>
       <p:sp>
         <p:nvSpPr>
-          <p:cNvPr id="101" name="Shape 101"/>
+          <p:cNvPr id="104" name="Shape 104"/>
           <p:cNvSpPr/>
           <p:nvPr>
             <p:ph type="body" idx="1"/>
           </p:nvPr>
         </p:nvSpPr>
         <p:spPr>
+          <a:xfrm>
+            <a:off x="291554" y="2603500"/>
+            <a:ext cx="11760746" cy="6286500"/>
+          </a:xfrm>
           <a:prstGeom prst="rect">
             <a:avLst/>
           </a:prstGeom>
@@ -3531,13 +3490,72 @@
           <a:bodyPr/>
           <a:lstStyle/>
           <a:p>
-            <a:pPr lvl="0"/>
+            <a:pPr lvl="0" marL="391159" indent="-391159" defTabSz="514095">
+              <a:spcBef>
+                <a:spcPts val="3600"/>
+              </a:spcBef>
+              <a:defRPr sz="1800"/>
+            </a:pPr>
+            <a:r>
+              <a:rPr sz="3168"/>
+              <a:t>Request</a:t>
+            </a:r>
+            <a:endParaRPr sz="3168"/>
+          </a:p>
+          <a:p>
+            <a:pPr lvl="0" marL="391159" indent="-391159" defTabSz="514095">
+              <a:spcBef>
+                <a:spcPts val="3600"/>
+              </a:spcBef>
+              <a:defRPr sz="1800"/>
+            </a:pPr>
+            <a:endParaRPr sz="3168"/>
+          </a:p>
+          <a:p>
+            <a:pPr lvl="0" marL="391159" indent="-391159" defTabSz="514095">
+              <a:spcBef>
+                <a:spcPts val="3600"/>
+              </a:spcBef>
+              <a:defRPr sz="1800"/>
+            </a:pPr>
+            <a:endParaRPr sz="3168"/>
+          </a:p>
+          <a:p>
+            <a:pPr lvl="0" marL="391159" indent="-391159" defTabSz="514095">
+              <a:spcBef>
+                <a:spcPts val="3600"/>
+              </a:spcBef>
+              <a:defRPr sz="1800"/>
+            </a:pPr>
+            <a:r>
+              <a:rPr sz="3168"/>
+              <a:t>Response</a:t>
+            </a:r>
+            <a:endParaRPr sz="3168"/>
+          </a:p>
+          <a:p>
+            <a:pPr lvl="0" marL="391159" indent="-391159" defTabSz="514095">
+              <a:spcBef>
+                <a:spcPts val="3600"/>
+              </a:spcBef>
+              <a:defRPr sz="1800"/>
+            </a:pPr>
+            <a:endParaRPr sz="3168"/>
+          </a:p>
+          <a:p>
+            <a:pPr lvl="0" marL="391159" indent="-391159" defTabSz="514095">
+              <a:spcBef>
+                <a:spcPts val="3600"/>
+              </a:spcBef>
+              <a:defRPr sz="1800"/>
+            </a:pPr>
+            <a:endParaRPr sz="3168"/>
           </a:p>
         </p:txBody>
       </p:sp>
       <p:pic>
         <p:nvPicPr>
-          <p:cNvPr id="102" name="NLTK_Tagger_class.png"/>
+          <p:cNvPr id="105" name="Stanford_Tagger_Request_xml.png"/>
           <p:cNvPicPr/>
           <p:nvPr/>
         </p:nvPicPr>
@@ -3551,8 +3569,8 @@
         </p:blipFill>
         <p:spPr>
           <a:xfrm>
-            <a:off x="787400" y="2622550"/>
-            <a:ext cx="11282653" cy="6931216"/>
+            <a:off x="2819400" y="2635250"/>
+            <a:ext cx="9728200" cy="2552700"/>
           </a:xfrm>
           <a:prstGeom prst="rect">
             <a:avLst/>
@@ -3564,7 +3582,7 @@
       </p:pic>
       <p:pic>
         <p:nvPicPr>
-          <p:cNvPr id="103" name=""/>
+          <p:cNvPr id="106" name="Stanford_Tagger_Result_xml.png"/>
           <p:cNvPicPr/>
           <p:nvPr/>
         </p:nvPicPr>
@@ -3578,19 +3596,15 @@
         </p:blipFill>
         <p:spPr>
           <a:xfrm>
-            <a:off x="1962150" y="4997450"/>
-            <a:ext cx="2794001" cy="482600"/>
+            <a:off x="2825750" y="5448300"/>
+            <a:ext cx="9537700" cy="4953000"/>
           </a:xfrm>
           <a:prstGeom prst="rect">
             <a:avLst/>
           </a:prstGeom>
-          <a:effectLst>
-            <a:outerShdw sx="100000" sy="100000" kx="0" ky="0" algn="b" rotWithShape="0" blurRad="38100" dist="25400" dir="5400000">
-              <a:srgbClr val="000000">
-                <a:alpha val="50000"/>
-              </a:srgbClr>
-            </a:outerShdw>
-          </a:effectLst>
+          <a:ln w="12700">
+            <a:miter lim="400000"/>
+          </a:ln>
         </p:spPr>
       </p:pic>
     </p:spTree>
@@ -3621,7 +3635,7 @@
       </p:grpSpPr>
       <p:sp>
         <p:nvSpPr>
-          <p:cNvPr id="105" name="Shape 105"/>
+          <p:cNvPr id="108" name="Shape 108"/>
           <p:cNvSpPr/>
           <p:nvPr>
             <p:ph type="title"/>
@@ -3641,215 +3655,11 @@
             </a:pPr>
             <a:r>
               <a:rPr sz="8000"/>
-              <a:t>NLTK Python</a:t>
+              <a:t>Lapps Service Wrapping (Python)</a:t>
             </a:r>
           </a:p>
         </p:txBody>
       </p:sp>
-      <p:sp>
-        <p:nvSpPr>
-          <p:cNvPr id="106" name="Shape 106"/>
-          <p:cNvSpPr/>
-          <p:nvPr>
-            <p:ph type="body" idx="1"/>
-          </p:nvPr>
-        </p:nvSpPr>
-        <p:spPr>
-          <a:prstGeom prst="rect">
-            <a:avLst/>
-          </a:prstGeom>
-        </p:spPr>
-        <p:txBody>
-          <a:bodyPr/>
-          <a:lstStyle/>
-          <a:p>
-            <a:pPr lvl="0" marL="391159" indent="-391159" defTabSz="514095">
-              <a:spcBef>
-                <a:spcPts val="3600"/>
-              </a:spcBef>
-              <a:defRPr sz="1800"/>
-            </a:pPr>
-            <a:r>
-              <a:rPr sz="3168"/>
-              <a:t>Python Program </a:t>
-            </a:r>
-            <a:endParaRPr sz="3168"/>
-          </a:p>
-          <a:p>
-            <a:pPr lvl="0" marL="391159" indent="-391159" defTabSz="514095">
-              <a:spcBef>
-                <a:spcPts val="3600"/>
-              </a:spcBef>
-              <a:defRPr sz="1800"/>
-            </a:pPr>
-            <a:endParaRPr sz="3168"/>
-          </a:p>
-          <a:p>
-            <a:pPr lvl="0" marL="391159" indent="-391159" defTabSz="514095">
-              <a:spcBef>
-                <a:spcPts val="3600"/>
-              </a:spcBef>
-              <a:defRPr sz="1800"/>
-            </a:pPr>
-            <a:r>
-              <a:rPr sz="3168"/>
-              <a:t>Python Result</a:t>
-            </a:r>
-            <a:endParaRPr sz="3168"/>
-          </a:p>
-          <a:p>
-            <a:pPr lvl="0" marL="391159" indent="-391159" defTabSz="514095">
-              <a:spcBef>
-                <a:spcPts val="3600"/>
-              </a:spcBef>
-              <a:defRPr sz="1800"/>
-            </a:pPr>
-            <a:endParaRPr sz="3168"/>
-          </a:p>
-          <a:p>
-            <a:pPr lvl="0" marL="391159" indent="-391159" defTabSz="514095">
-              <a:spcBef>
-                <a:spcPts val="3600"/>
-              </a:spcBef>
-              <a:defRPr sz="1800"/>
-            </a:pPr>
-            <a:r>
-              <a:rPr sz="3168"/>
-              <a:t>Java Wrapping</a:t>
-            </a:r>
-            <a:endParaRPr sz="3168"/>
-          </a:p>
-          <a:p>
-            <a:pPr lvl="0" marL="391159" indent="-391159" defTabSz="514095">
-              <a:spcBef>
-                <a:spcPts val="3600"/>
-              </a:spcBef>
-              <a:defRPr sz="1800"/>
-            </a:pPr>
-            <a:endParaRPr sz="3168"/>
-          </a:p>
-          <a:p>
-            <a:pPr lvl="0" marL="391159" indent="-391159" defTabSz="514095">
-              <a:spcBef>
-                <a:spcPts val="3600"/>
-              </a:spcBef>
-              <a:defRPr sz="1800"/>
-            </a:pPr>
-            <a:r>
-              <a:rPr sz="3168"/>
-              <a:t>Jetty Running</a:t>
-            </a:r>
-          </a:p>
-        </p:txBody>
-      </p:sp>
-      <p:pic>
-        <p:nvPicPr>
-          <p:cNvPr id="107" name="NLTK_Tagger_python.png"/>
-          <p:cNvPicPr/>
-          <p:nvPr/>
-        </p:nvPicPr>
-        <p:blipFill>
-          <a:blip r:embed="rId2">
-            <a:extLst/>
-          </a:blip>
-          <a:stretch>
-            <a:fillRect/>
-          </a:stretch>
-        </p:blipFill>
-        <p:spPr>
-          <a:xfrm>
-            <a:off x="8864600" y="2305050"/>
-            <a:ext cx="3467100" cy="2578100"/>
-          </a:xfrm>
-          <a:prstGeom prst="rect">
-            <a:avLst/>
-          </a:prstGeom>
-          <a:ln w="12700">
-            <a:miter lim="400000"/>
-          </a:ln>
-        </p:spPr>
-      </p:pic>
-      <p:pic>
-        <p:nvPicPr>
-          <p:cNvPr id="108" name="NLTK_Tagger_python_result.png"/>
-          <p:cNvPicPr/>
-          <p:nvPr/>
-        </p:nvPicPr>
-        <p:blipFill>
-          <a:blip r:embed="rId3">
-            <a:extLst/>
-          </a:blip>
-          <a:stretch>
-            <a:fillRect/>
-          </a:stretch>
-        </p:blipFill>
-        <p:spPr>
-          <a:xfrm>
-            <a:off x="3149600" y="5200650"/>
-            <a:ext cx="9309100" cy="660400"/>
-          </a:xfrm>
-          <a:prstGeom prst="rect">
-            <a:avLst/>
-          </a:prstGeom>
-          <a:ln w="12700">
-            <a:miter lim="400000"/>
-          </a:ln>
-        </p:spPr>
-      </p:pic>
-      <p:pic>
-        <p:nvPicPr>
-          <p:cNvPr id="109" name="pasted-image.png"/>
-          <p:cNvPicPr/>
-          <p:nvPr/>
-        </p:nvPicPr>
-        <p:blipFill>
-          <a:blip r:embed="rId4">
-            <a:extLst/>
-          </a:blip>
-          <a:stretch>
-            <a:fillRect/>
-          </a:stretch>
-        </p:blipFill>
-        <p:spPr>
-          <a:xfrm>
-            <a:off x="5581650" y="6153150"/>
-            <a:ext cx="6883400" cy="1638300"/>
-          </a:xfrm>
-          <a:prstGeom prst="rect">
-            <a:avLst/>
-          </a:prstGeom>
-          <a:ln w="12700">
-            <a:miter lim="400000"/>
-          </a:ln>
-        </p:spPr>
-      </p:pic>
-      <p:pic>
-        <p:nvPicPr>
-          <p:cNvPr id="110" name="pasted-image.png"/>
-          <p:cNvPicPr/>
-          <p:nvPr/>
-        </p:nvPicPr>
-        <p:blipFill>
-          <a:blip r:embed="rId5">
-            <a:extLst/>
-          </a:blip>
-          <a:stretch>
-            <a:fillRect/>
-          </a:stretch>
-        </p:blipFill>
-        <p:spPr>
-          <a:xfrm>
-            <a:off x="5321300" y="7893050"/>
-            <a:ext cx="7124700" cy="1638300"/>
-          </a:xfrm>
-          <a:prstGeom prst="rect">
-            <a:avLst/>
-          </a:prstGeom>
-          <a:ln w="12700">
-            <a:miter lim="400000"/>
-          </a:ln>
-        </p:spPr>
-      </p:pic>
     </p:spTree>
   </p:cSld>
   <p:clrMapOvr>
@@ -3878,7 +3688,7 @@
       </p:grpSpPr>
       <p:sp>
         <p:nvSpPr>
-          <p:cNvPr id="112" name="Shape 112"/>
+          <p:cNvPr id="110" name="Shape 110"/>
           <p:cNvSpPr/>
           <p:nvPr>
             <p:ph type="title"/>
@@ -3898,14 +3708,14 @@
             </a:pPr>
             <a:r>
               <a:rPr sz="8000"/>
-              <a:t>NLTK Tagger Testing</a:t>
+              <a:t>Developing Template</a:t>
             </a:r>
           </a:p>
         </p:txBody>
       </p:sp>
       <p:sp>
         <p:nvSpPr>
-          <p:cNvPr id="113" name="Shape 113"/>
+          <p:cNvPr id="111" name="Shape 111"/>
           <p:cNvSpPr/>
           <p:nvPr>
             <p:ph type="body" idx="1"/>
@@ -3920,72 +3730,13 @@
           <a:bodyPr/>
           <a:lstStyle/>
           <a:p>
-            <a:pPr lvl="0" marL="391159" indent="-391159" defTabSz="514095">
-              <a:spcBef>
-                <a:spcPts val="3600"/>
-              </a:spcBef>
-              <a:defRPr sz="1800"/>
-            </a:pPr>
-            <a:r>
-              <a:rPr sz="3168"/>
-              <a:t>Local Service</a:t>
-            </a:r>
-            <a:endParaRPr sz="3168"/>
-          </a:p>
-          <a:p>
-            <a:pPr lvl="0" marL="391159" indent="-391159" defTabSz="514095">
-              <a:spcBef>
-                <a:spcPts val="3600"/>
-              </a:spcBef>
-              <a:defRPr sz="1800"/>
-            </a:pPr>
-            <a:endParaRPr sz="3168"/>
-          </a:p>
-          <a:p>
-            <a:pPr lvl="0" marL="391159" indent="-391159" defTabSz="514095">
-              <a:spcBef>
-                <a:spcPts val="3600"/>
-              </a:spcBef>
-              <a:defRPr sz="1800"/>
-            </a:pPr>
-            <a:endParaRPr sz="3168"/>
-          </a:p>
-          <a:p>
-            <a:pPr lvl="0" marL="391159" indent="-391159" defTabSz="514095">
-              <a:spcBef>
-                <a:spcPts val="3600"/>
-              </a:spcBef>
-              <a:defRPr sz="1800"/>
-            </a:pPr>
-            <a:r>
-              <a:rPr sz="3168"/>
-              <a:t>SoapUI Testing</a:t>
-            </a:r>
-            <a:endParaRPr sz="3168"/>
-          </a:p>
-          <a:p>
-            <a:pPr lvl="0" marL="391159" indent="-391159" defTabSz="514095">
-              <a:spcBef>
-                <a:spcPts val="3600"/>
-              </a:spcBef>
-              <a:defRPr sz="1800"/>
-            </a:pPr>
-            <a:endParaRPr sz="3168"/>
-          </a:p>
-          <a:p>
-            <a:pPr lvl="0" marL="391159" indent="-391159" defTabSz="514095">
-              <a:spcBef>
-                <a:spcPts val="3600"/>
-              </a:spcBef>
-              <a:defRPr sz="1800"/>
-            </a:pPr>
-            <a:endParaRPr sz="3168"/>
+            <a:pPr lvl="0"/>
           </a:p>
         </p:txBody>
       </p:sp>
       <p:pic>
         <p:nvPicPr>
-          <p:cNvPr id="114" name="NLTK_Tagger_wsdl.png"/>
+          <p:cNvPr id="112" name="NLTK_Tagger_class.png"/>
           <p:cNvPicPr/>
           <p:nvPr/>
         </p:nvPicPr>
@@ -3999,8 +3750,8 @@
         </p:blipFill>
         <p:spPr>
           <a:xfrm>
-            <a:off x="6934200" y="2387600"/>
-            <a:ext cx="5067300" cy="3606800"/>
+            <a:off x="787400" y="2622550"/>
+            <a:ext cx="11282653" cy="6931216"/>
           </a:xfrm>
           <a:prstGeom prst="rect">
             <a:avLst/>
@@ -4012,7 +3763,7 @@
       </p:pic>
       <p:pic>
         <p:nvPicPr>
-          <p:cNvPr id="115" name="SoapUI_NLTK_Tagger.png"/>
+          <p:cNvPr id="113" name=""/>
           <p:cNvPicPr/>
           <p:nvPr/>
         </p:nvPicPr>
@@ -4026,15 +3777,19 @@
         </p:blipFill>
         <p:spPr>
           <a:xfrm>
-            <a:off x="5702300" y="5638800"/>
-            <a:ext cx="6512867" cy="3896176"/>
+            <a:off x="1962150" y="4997450"/>
+            <a:ext cx="2794001" cy="482600"/>
           </a:xfrm>
           <a:prstGeom prst="rect">
             <a:avLst/>
           </a:prstGeom>
-          <a:ln w="12700">
-            <a:miter lim="400000"/>
-          </a:ln>
+          <a:effectLst>
+            <a:outerShdw sx="100000" sy="100000" kx="0" ky="0" algn="b" rotWithShape="0" blurRad="38100" dist="25400" dir="5400000">
+              <a:srgbClr val="000000">
+                <a:alpha val="50000"/>
+              </a:srgbClr>
+            </a:outerShdw>
+          </a:effectLst>
         </p:spPr>
       </p:pic>
     </p:spTree>
@@ -4065,7 +3820,7 @@
       </p:grpSpPr>
       <p:sp>
         <p:nvSpPr>
-          <p:cNvPr id="117" name="Shape 117"/>
+          <p:cNvPr id="115" name="Shape 115"/>
           <p:cNvSpPr/>
           <p:nvPr>
             <p:ph type="title"/>
@@ -4078,35 +3833,27 @@
         </p:spPr>
         <p:txBody>
           <a:bodyPr/>
-          <a:lstStyle>
-            <a:lvl1pPr defTabSz="508254">
-              <a:defRPr sz="6960"/>
-            </a:lvl1pPr>
-          </a:lstStyle>
+          <a:lstStyle/>
           <a:p>
             <a:pPr lvl="0">
               <a:defRPr sz="1800"/>
             </a:pPr>
             <a:r>
-              <a:rPr sz="6960"/>
-              <a:t>NLTK Tagger Testing Result</a:t>
+              <a:rPr sz="8000"/>
+              <a:t>NLTK Python</a:t>
             </a:r>
           </a:p>
         </p:txBody>
       </p:sp>
       <p:sp>
         <p:nvSpPr>
-          <p:cNvPr id="118" name="Shape 118"/>
+          <p:cNvPr id="116" name="Shape 116"/>
           <p:cNvSpPr/>
           <p:nvPr>
             <p:ph type="body" idx="1"/>
           </p:nvPr>
         </p:nvSpPr>
         <p:spPr>
-          <a:xfrm>
-            <a:off x="291554" y="2603500"/>
-            <a:ext cx="11760746" cy="6286500"/>
-          </a:xfrm>
           <a:prstGeom prst="rect">
             <a:avLst/>
           </a:prstGeom>
@@ -4123,7 +3870,7 @@
             </a:pPr>
             <a:r>
               <a:rPr sz="3168"/>
-              <a:t>Request</a:t>
+              <a:t>Python Program </a:t>
             </a:r>
             <a:endParaRPr sz="3168"/>
           </a:p>
@@ -4143,6 +3890,10 @@
               </a:spcBef>
               <a:defRPr sz="1800"/>
             </a:pPr>
+            <a:r>
+              <a:rPr sz="3168"/>
+              <a:t>Python Result</a:t>
+            </a:r>
             <a:endParaRPr sz="3168"/>
           </a:p>
           <a:p>
@@ -4152,9 +3903,18 @@
               </a:spcBef>
               <a:defRPr sz="1800"/>
             </a:pPr>
+            <a:endParaRPr sz="3168"/>
+          </a:p>
+          <a:p>
+            <a:pPr lvl="0" marL="391159" indent="-391159" defTabSz="514095">
+              <a:spcBef>
+                <a:spcPts val="3600"/>
+              </a:spcBef>
+              <a:defRPr sz="1800"/>
+            </a:pPr>
             <a:r>
               <a:rPr sz="3168"/>
-              <a:t>Response</a:t>
+              <a:t>Java Wrapping</a:t>
             </a:r>
             <a:endParaRPr sz="3168"/>
           </a:p>
@@ -4174,13 +3934,16 @@
               </a:spcBef>
               <a:defRPr sz="1800"/>
             </a:pPr>
-            <a:endParaRPr sz="3168"/>
+            <a:r>
+              <a:rPr sz="3168"/>
+              <a:t>Jetty Running</a:t>
+            </a:r>
           </a:p>
         </p:txBody>
       </p:sp>
       <p:pic>
         <p:nvPicPr>
-          <p:cNvPr id="119" name="NLTK_Tagger_request.png"/>
+          <p:cNvPr id="117" name="NLTK_Tagger_python.png"/>
           <p:cNvPicPr/>
           <p:nvPr/>
         </p:nvPicPr>
@@ -4194,8 +3957,8 @@
         </p:blipFill>
         <p:spPr>
           <a:xfrm>
-            <a:off x="2705100" y="2425700"/>
-            <a:ext cx="10248900" cy="2819400"/>
+            <a:off x="8864600" y="2305050"/>
+            <a:ext cx="3467100" cy="2578100"/>
           </a:xfrm>
           <a:prstGeom prst="rect">
             <a:avLst/>
@@ -4207,7 +3970,7 @@
       </p:pic>
       <p:pic>
         <p:nvPicPr>
-          <p:cNvPr id="120" name="pasted-image.png"/>
+          <p:cNvPr id="118" name="NLTK_Tagger_python_result.png"/>
           <p:cNvPicPr/>
           <p:nvPr/>
         </p:nvPicPr>
@@ -4221,8 +3984,62 @@
         </p:blipFill>
         <p:spPr>
           <a:xfrm>
-            <a:off x="2711450" y="5435600"/>
-            <a:ext cx="9321800" cy="5181600"/>
+            <a:off x="3149600" y="5200650"/>
+            <a:ext cx="9309100" cy="660400"/>
+          </a:xfrm>
+          <a:prstGeom prst="rect">
+            <a:avLst/>
+          </a:prstGeom>
+          <a:ln w="12700">
+            <a:miter lim="400000"/>
+          </a:ln>
+        </p:spPr>
+      </p:pic>
+      <p:pic>
+        <p:nvPicPr>
+          <p:cNvPr id="119" name="pasted-image.png"/>
+          <p:cNvPicPr/>
+          <p:nvPr/>
+        </p:nvPicPr>
+        <p:blipFill>
+          <a:blip r:embed="rId4">
+            <a:extLst/>
+          </a:blip>
+          <a:stretch>
+            <a:fillRect/>
+          </a:stretch>
+        </p:blipFill>
+        <p:spPr>
+          <a:xfrm>
+            <a:off x="5581650" y="6153150"/>
+            <a:ext cx="6883400" cy="1638300"/>
+          </a:xfrm>
+          <a:prstGeom prst="rect">
+            <a:avLst/>
+          </a:prstGeom>
+          <a:ln w="12700">
+            <a:miter lim="400000"/>
+          </a:ln>
+        </p:spPr>
+      </p:pic>
+      <p:pic>
+        <p:nvPicPr>
+          <p:cNvPr id="120" name="pasted-image.png"/>
+          <p:cNvPicPr/>
+          <p:nvPr/>
+        </p:nvPicPr>
+        <p:blipFill>
+          <a:blip r:embed="rId5">
+            <a:extLst/>
+          </a:blip>
+          <a:stretch>
+            <a:fillRect/>
+          </a:stretch>
+        </p:blipFill>
+        <p:spPr>
+          <a:xfrm>
+            <a:off x="5321300" y="7893050"/>
+            <a:ext cx="7124700" cy="1638300"/>
           </a:xfrm>
           <a:prstGeom prst="rect">
             <a:avLst/>
@@ -4280,7 +4097,7 @@
             </a:pPr>
             <a:r>
               <a:rPr sz="8000"/>
-              <a:t>Service Register</a:t>
+              <a:t>NLTK Tagger Testing</a:t>
             </a:r>
           </a:p>
         </p:txBody>
@@ -4302,44 +4119,72 @@
           <a:bodyPr/>
           <a:lstStyle/>
           <a:p>
-            <a:pPr lvl="0">
-              <a:defRPr sz="1800"/>
-            </a:pPr>
-            <a:r>
-              <a:rPr sz="3600"/>
-              <a:t>Service Manager</a:t>
-            </a:r>
-            <a:endParaRPr sz="3600"/>
-          </a:p>
-          <a:p>
-            <a:pPr lvl="0">
-              <a:defRPr sz="1800"/>
-            </a:pPr>
-            <a:endParaRPr sz="3600"/>
-          </a:p>
-          <a:p>
-            <a:pPr lvl="0">
-              <a:defRPr sz="1800"/>
-            </a:pPr>
-            <a:endParaRPr sz="3600"/>
-          </a:p>
-          <a:p>
-            <a:pPr lvl="0">
-              <a:defRPr sz="1800"/>
-            </a:pPr>
-            <a:endParaRPr sz="3600"/>
-          </a:p>
-          <a:p>
-            <a:pPr lvl="0">
-              <a:defRPr sz="1800"/>
-            </a:pPr>
-            <a:endParaRPr sz="3600"/>
+            <a:pPr lvl="0" marL="391159" indent="-391159" defTabSz="514095">
+              <a:spcBef>
+                <a:spcPts val="3600"/>
+              </a:spcBef>
+              <a:defRPr sz="1800"/>
+            </a:pPr>
+            <a:r>
+              <a:rPr sz="3168"/>
+              <a:t>Local Service</a:t>
+            </a:r>
+            <a:endParaRPr sz="3168"/>
+          </a:p>
+          <a:p>
+            <a:pPr lvl="0" marL="391159" indent="-391159" defTabSz="514095">
+              <a:spcBef>
+                <a:spcPts val="3600"/>
+              </a:spcBef>
+              <a:defRPr sz="1800"/>
+            </a:pPr>
+            <a:endParaRPr sz="3168"/>
+          </a:p>
+          <a:p>
+            <a:pPr lvl="0" marL="391159" indent="-391159" defTabSz="514095">
+              <a:spcBef>
+                <a:spcPts val="3600"/>
+              </a:spcBef>
+              <a:defRPr sz="1800"/>
+            </a:pPr>
+            <a:endParaRPr sz="3168"/>
+          </a:p>
+          <a:p>
+            <a:pPr lvl="0" marL="391159" indent="-391159" defTabSz="514095">
+              <a:spcBef>
+                <a:spcPts val="3600"/>
+              </a:spcBef>
+              <a:defRPr sz="1800"/>
+            </a:pPr>
+            <a:r>
+              <a:rPr sz="3168"/>
+              <a:t>SoapUI Testing</a:t>
+            </a:r>
+            <a:endParaRPr sz="3168"/>
+          </a:p>
+          <a:p>
+            <a:pPr lvl="0" marL="391159" indent="-391159" defTabSz="514095">
+              <a:spcBef>
+                <a:spcPts val="3600"/>
+              </a:spcBef>
+              <a:defRPr sz="1800"/>
+            </a:pPr>
+            <a:endParaRPr sz="3168"/>
+          </a:p>
+          <a:p>
+            <a:pPr lvl="0" marL="391159" indent="-391159" defTabSz="514095">
+              <a:spcBef>
+                <a:spcPts val="3600"/>
+              </a:spcBef>
+              <a:defRPr sz="1800"/>
+            </a:pPr>
+            <a:endParaRPr sz="3168"/>
           </a:p>
         </p:txBody>
       </p:sp>
       <p:pic>
         <p:nvPicPr>
-          <p:cNvPr id="124" name="virtual_box.png"/>
+          <p:cNvPr id="124" name="NLTK_Tagger_wsdl.png"/>
           <p:cNvPicPr/>
           <p:nvPr/>
         </p:nvPicPr>
@@ -4353,8 +4198,35 @@
         </p:blipFill>
         <p:spPr>
           <a:xfrm>
-            <a:off x="1441450" y="3346450"/>
-            <a:ext cx="10909300" cy="6750003"/>
+            <a:off x="6934200" y="2387600"/>
+            <a:ext cx="5067300" cy="3606800"/>
+          </a:xfrm>
+          <a:prstGeom prst="rect">
+            <a:avLst/>
+          </a:prstGeom>
+          <a:ln w="12700">
+            <a:miter lim="400000"/>
+          </a:ln>
+        </p:spPr>
+      </p:pic>
+      <p:pic>
+        <p:nvPicPr>
+          <p:cNvPr id="125" name="SoapUI_NLTK_Tagger.png"/>
+          <p:cNvPicPr/>
+          <p:nvPr/>
+        </p:nvPicPr>
+        <p:blipFill>
+          <a:blip r:embed="rId3">
+            <a:extLst/>
+          </a:blip>
+          <a:stretch>
+            <a:fillRect/>
+          </a:stretch>
+        </p:blipFill>
+        <p:spPr>
+          <a:xfrm>
+            <a:off x="5702300" y="5638800"/>
+            <a:ext cx="6512867" cy="3896176"/>
           </a:xfrm>
           <a:prstGeom prst="rect">
             <a:avLst/>
@@ -4392,7 +4264,7 @@
       </p:grpSpPr>
       <p:sp>
         <p:nvSpPr>
-          <p:cNvPr id="126" name="Shape 126"/>
+          <p:cNvPr id="127" name="Shape 127"/>
           <p:cNvSpPr/>
           <p:nvPr>
             <p:ph type="title"/>
@@ -4405,27 +4277,35 @@
         </p:spPr>
         <p:txBody>
           <a:bodyPr/>
-          <a:lstStyle/>
+          <a:lstStyle>
+            <a:lvl1pPr defTabSz="508254">
+              <a:defRPr sz="6960"/>
+            </a:lvl1pPr>
+          </a:lstStyle>
           <a:p>
             <a:pPr lvl="0">
               <a:defRPr sz="1800"/>
             </a:pPr>
             <a:r>
-              <a:rPr sz="8000"/>
-              <a:t>Conclusion</a:t>
+              <a:rPr sz="6960"/>
+              <a:t>NLTK Tagger Testing Result</a:t>
             </a:r>
           </a:p>
         </p:txBody>
       </p:sp>
       <p:sp>
         <p:nvSpPr>
-          <p:cNvPr id="127" name="Shape 127"/>
+          <p:cNvPr id="128" name="Shape 128"/>
           <p:cNvSpPr/>
           <p:nvPr>
             <p:ph type="body" idx="1"/>
           </p:nvPr>
         </p:nvSpPr>
         <p:spPr>
+          <a:xfrm>
+            <a:off x="291554" y="2603500"/>
+            <a:ext cx="11760746" cy="6286500"/>
+          </a:xfrm>
           <a:prstGeom prst="rect">
             <a:avLst/>
           </a:prstGeom>
@@ -4442,34 +4322,48 @@
             </a:pPr>
             <a:r>
               <a:rPr sz="3168"/>
-              <a:t>Lapps Service Wrapping Template</a:t>
+              <a:t>Request</a:t>
             </a:r>
             <a:endParaRPr sz="3168"/>
           </a:p>
           <a:p>
-            <a:pPr lvl="1" marL="782319" indent="-391159" defTabSz="514095">
+            <a:pPr lvl="0" marL="391159" indent="-391159" defTabSz="514095">
               <a:spcBef>
                 <a:spcPts val="3600"/>
               </a:spcBef>
               <a:defRPr sz="1800"/>
             </a:pPr>
+            <a:endParaRPr sz="3168"/>
+          </a:p>
+          <a:p>
+            <a:pPr lvl="0" marL="391159" indent="-391159" defTabSz="514095">
+              <a:spcBef>
+                <a:spcPts val="3600"/>
+              </a:spcBef>
+              <a:defRPr sz="1800"/>
+            </a:pPr>
+            <a:endParaRPr sz="3168"/>
+          </a:p>
+          <a:p>
+            <a:pPr lvl="0" marL="391159" indent="-391159" defTabSz="514095">
+              <a:spcBef>
+                <a:spcPts val="3600"/>
+              </a:spcBef>
+              <a:defRPr sz="1800"/>
+            </a:pPr>
             <a:r>
               <a:rPr sz="3168"/>
-              <a:t>Java / Python Wrapping</a:t>
+              <a:t>Response</a:t>
             </a:r>
             <a:endParaRPr sz="3168"/>
           </a:p>
           <a:p>
-            <a:pPr lvl="1" marL="782319" indent="-391159" defTabSz="514095">
+            <a:pPr lvl="0" marL="391159" indent="-391159" defTabSz="514095">
               <a:spcBef>
                 <a:spcPts val="3600"/>
               </a:spcBef>
               <a:defRPr sz="1800"/>
             </a:pPr>
-            <a:r>
-              <a:rPr sz="3168"/>
-              <a:t>Github Repository</a:t>
-            </a:r>
             <a:endParaRPr sz="3168"/>
           </a:p>
           <a:p>
@@ -4479,52 +4373,64 @@
               </a:spcBef>
               <a:defRPr sz="1800"/>
             </a:pPr>
-            <a:r>
-              <a:rPr sz="3168"/>
-              <a:t>Service Manager for Registering</a:t>
-            </a:r>
             <a:endParaRPr sz="3168"/>
-          </a:p>
-          <a:p>
-            <a:pPr lvl="1" marL="782319" indent="-391159" defTabSz="514095">
-              <a:spcBef>
-                <a:spcPts val="3600"/>
-              </a:spcBef>
-              <a:defRPr sz="1800"/>
-            </a:pPr>
-            <a:r>
-              <a:rPr sz="3168"/>
-              <a:t>Service Manager Installation Script</a:t>
-            </a:r>
-            <a:endParaRPr sz="3168"/>
-          </a:p>
-          <a:p>
-            <a:pPr lvl="0" marL="391159" indent="-391159" defTabSz="514095">
-              <a:spcBef>
-                <a:spcPts val="3600"/>
-              </a:spcBef>
-              <a:defRPr sz="1800"/>
-            </a:pPr>
-            <a:r>
-              <a:rPr sz="3168"/>
-              <a:t>Developing Environment</a:t>
-            </a:r>
-            <a:endParaRPr sz="3168"/>
-          </a:p>
-          <a:p>
-            <a:pPr lvl="1" marL="782319" indent="-391159" defTabSz="514095">
-              <a:spcBef>
-                <a:spcPts val="3600"/>
-              </a:spcBef>
-              <a:defRPr sz="1800"/>
-            </a:pPr>
-            <a:r>
-              <a:rPr sz="3168"/>
-              <a:t>VirtualBox Image: Ubuntu</a:t>
-            </a:r>
           </a:p>
         </p:txBody>
       </p:sp>
+      <p:pic>
+        <p:nvPicPr>
+          <p:cNvPr id="129" name="NLTK_Tagger_request.png"/>
+          <p:cNvPicPr/>
+          <p:nvPr/>
+        </p:nvPicPr>
+        <p:blipFill>
+          <a:blip r:embed="rId2">
+            <a:extLst/>
+          </a:blip>
+          <a:stretch>
+            <a:fillRect/>
+          </a:stretch>
+        </p:blipFill>
+        <p:spPr>
+          <a:xfrm>
+            <a:off x="2705100" y="2425700"/>
+            <a:ext cx="10248900" cy="2819400"/>
+          </a:xfrm>
+          <a:prstGeom prst="rect">
+            <a:avLst/>
+          </a:prstGeom>
+          <a:ln w="12700">
+            <a:miter lim="400000"/>
+          </a:ln>
+        </p:spPr>
+      </p:pic>
+      <p:pic>
+        <p:nvPicPr>
+          <p:cNvPr id="130" name="pasted-image.png"/>
+          <p:cNvPicPr/>
+          <p:nvPr/>
+        </p:nvPicPr>
+        <p:blipFill>
+          <a:blip r:embed="rId3">
+            <a:extLst/>
+          </a:blip>
+          <a:stretch>
+            <a:fillRect/>
+          </a:stretch>
+        </p:blipFill>
+        <p:spPr>
+          <a:xfrm>
+            <a:off x="2711450" y="5435600"/>
+            <a:ext cx="9321800" cy="5181600"/>
+          </a:xfrm>
+          <a:prstGeom prst="rect">
+            <a:avLst/>
+          </a:prstGeom>
+          <a:ln w="12700">
+            <a:miter lim="400000"/>
+          </a:ln>
+        </p:spPr>
+      </p:pic>
     </p:spTree>
   </p:cSld>
   <p:clrMapOvr>
@@ -4553,7 +4459,7 @@
       </p:grpSpPr>
       <p:sp>
         <p:nvSpPr>
-          <p:cNvPr id="129" name="Shape 129"/>
+          <p:cNvPr id="132" name="Shape 132"/>
           <p:cNvSpPr/>
           <p:nvPr>
             <p:ph type="title"/>
@@ -4573,14 +4479,14 @@
             </a:pPr>
             <a:r>
               <a:rPr sz="8000"/>
-              <a:t>Reference</a:t>
+              <a:t>Service Register</a:t>
             </a:r>
           </a:p>
         </p:txBody>
       </p:sp>
       <p:sp>
         <p:nvSpPr>
-          <p:cNvPr id="130" name="Shape 130"/>
+          <p:cNvPr id="133" name="Shape 133"/>
           <p:cNvSpPr/>
           <p:nvPr>
             <p:ph type="body" idx="1"/>
@@ -4595,7 +4501,457 @@
           <a:bodyPr/>
           <a:lstStyle/>
           <a:p>
-            <a:pPr lvl="0"/>
+            <a:pPr lvl="0">
+              <a:defRPr sz="1800"/>
+            </a:pPr>
+            <a:r>
+              <a:rPr sz="3600"/>
+              <a:t>Service Manager</a:t>
+            </a:r>
+            <a:endParaRPr sz="3600"/>
+          </a:p>
+          <a:p>
+            <a:pPr lvl="0">
+              <a:defRPr sz="1800"/>
+            </a:pPr>
+            <a:endParaRPr sz="3600"/>
+          </a:p>
+          <a:p>
+            <a:pPr lvl="0">
+              <a:defRPr sz="1800"/>
+            </a:pPr>
+            <a:endParaRPr sz="3600"/>
+          </a:p>
+          <a:p>
+            <a:pPr lvl="0">
+              <a:defRPr sz="1800"/>
+            </a:pPr>
+            <a:endParaRPr sz="3600"/>
+          </a:p>
+          <a:p>
+            <a:pPr lvl="0">
+              <a:defRPr sz="1800"/>
+            </a:pPr>
+            <a:endParaRPr sz="3600"/>
+          </a:p>
+        </p:txBody>
+      </p:sp>
+      <p:pic>
+        <p:nvPicPr>
+          <p:cNvPr id="134" name="virtual_box.png"/>
+          <p:cNvPicPr/>
+          <p:nvPr/>
+        </p:nvPicPr>
+        <p:blipFill>
+          <a:blip r:embed="rId2">
+            <a:extLst/>
+          </a:blip>
+          <a:stretch>
+            <a:fillRect/>
+          </a:stretch>
+        </p:blipFill>
+        <p:spPr>
+          <a:xfrm>
+            <a:off x="1441450" y="3346450"/>
+            <a:ext cx="10909300" cy="6750003"/>
+          </a:xfrm>
+          <a:prstGeom prst="rect">
+            <a:avLst/>
+          </a:prstGeom>
+          <a:ln w="12700">
+            <a:miter lim="400000"/>
+          </a:ln>
+        </p:spPr>
+      </p:pic>
+    </p:spTree>
+  </p:cSld>
+  <p:clrMapOvr>
+    <a:masterClrMapping/>
+  </p:clrMapOvr>
+  <p:transition spd="med" advClick="1"/>
+</p:sld>
+</file>
+
+<file path=ppt/slides/slide27.xml><?xml version="1.0" encoding="utf-8"?>
+<p:sld xmlns:a="http://schemas.openxmlformats.org/drawingml/2006/main" xmlns:r="http://schemas.openxmlformats.org/officeDocument/2006/relationships" xmlns:p="http://schemas.openxmlformats.org/presentationml/2006/main" showMasterSp="1" showMasterPhAnim="1">
+  <p:cSld>
+    <p:spTree>
+      <p:nvGrpSpPr>
+        <p:cNvPr id="1" name=""/>
+        <p:cNvGrpSpPr/>
+        <p:nvPr/>
+      </p:nvGrpSpPr>
+      <p:grpSpPr>
+        <a:xfrm>
+          <a:off x="0" y="0"/>
+          <a:ext cx="0" cy="0"/>
+          <a:chOff x="0" y="0"/>
+          <a:chExt cx="0" cy="0"/>
+        </a:xfrm>
+      </p:grpSpPr>
+      <p:sp>
+        <p:nvSpPr>
+          <p:cNvPr id="136" name="Shape 136"/>
+          <p:cNvSpPr/>
+          <p:nvPr>
+            <p:ph type="title"/>
+          </p:nvPr>
+        </p:nvSpPr>
+        <p:spPr>
+          <a:prstGeom prst="rect">
+            <a:avLst/>
+          </a:prstGeom>
+        </p:spPr>
+        <p:txBody>
+          <a:bodyPr/>
+          <a:lstStyle/>
+          <a:p>
+            <a:pPr lvl="0">
+              <a:defRPr sz="1800"/>
+            </a:pPr>
+            <a:r>
+              <a:rPr sz="8000"/>
+              <a:t>Conclusion</a:t>
+            </a:r>
+          </a:p>
+        </p:txBody>
+      </p:sp>
+      <p:sp>
+        <p:nvSpPr>
+          <p:cNvPr id="137" name="Shape 137"/>
+          <p:cNvSpPr/>
+          <p:nvPr>
+            <p:ph type="body" idx="1"/>
+          </p:nvPr>
+        </p:nvSpPr>
+        <p:spPr>
+          <a:prstGeom prst="rect">
+            <a:avLst/>
+          </a:prstGeom>
+        </p:spPr>
+        <p:txBody>
+          <a:bodyPr/>
+          <a:lstStyle/>
+          <a:p>
+            <a:pPr lvl="0" marL="342264" indent="-342264" defTabSz="449833">
+              <a:spcBef>
+                <a:spcPts val="3200"/>
+              </a:spcBef>
+              <a:defRPr sz="1800"/>
+            </a:pPr>
+            <a:r>
+              <a:rPr sz="2772"/>
+              <a:t>Contributing to the Lapps Grid</a:t>
+            </a:r>
+            <a:endParaRPr sz="2772"/>
+          </a:p>
+          <a:p>
+            <a:pPr lvl="1" marL="684529" indent="-342264" defTabSz="449833">
+              <a:spcBef>
+                <a:spcPts val="3200"/>
+              </a:spcBef>
+              <a:defRPr sz="1800"/>
+            </a:pPr>
+            <a:r>
+              <a:rPr sz="2772"/>
+              <a:t>Wrapping Lapps Service</a:t>
+            </a:r>
+            <a:endParaRPr sz="2772"/>
+          </a:p>
+          <a:p>
+            <a:pPr lvl="2" marL="1026794" indent="-342264" defTabSz="449833">
+              <a:spcBef>
+                <a:spcPts val="3200"/>
+              </a:spcBef>
+              <a:defRPr sz="1800"/>
+            </a:pPr>
+            <a:r>
+              <a:rPr sz="2772"/>
+              <a:t>Java / Python Wrapping</a:t>
+            </a:r>
+            <a:endParaRPr sz="2772"/>
+          </a:p>
+          <a:p>
+            <a:pPr lvl="2" marL="1026794" indent="-342264" defTabSz="449833">
+              <a:spcBef>
+                <a:spcPts val="3200"/>
+              </a:spcBef>
+              <a:defRPr sz="1800"/>
+            </a:pPr>
+            <a:r>
+              <a:rPr sz="2772"/>
+              <a:t>Templates from Github Repository </a:t>
+            </a:r>
+            <a:endParaRPr sz="2772"/>
+          </a:p>
+          <a:p>
+            <a:pPr lvl="1" marL="684529" indent="-342264" defTabSz="449833">
+              <a:spcBef>
+                <a:spcPts val="3200"/>
+              </a:spcBef>
+              <a:defRPr sz="1800"/>
+            </a:pPr>
+            <a:r>
+              <a:rPr sz="2772"/>
+              <a:t>Registering into Service Manager</a:t>
+            </a:r>
+            <a:endParaRPr sz="2772"/>
+          </a:p>
+          <a:p>
+            <a:pPr lvl="2" marL="1026794" indent="-342264" defTabSz="449833">
+              <a:spcBef>
+                <a:spcPts val="3200"/>
+              </a:spcBef>
+              <a:defRPr sz="1800"/>
+            </a:pPr>
+            <a:r>
+              <a:rPr sz="2772"/>
+              <a:t>Service Manager Installation Script</a:t>
+            </a:r>
+            <a:endParaRPr sz="2772"/>
+          </a:p>
+          <a:p>
+            <a:pPr lvl="1" marL="684529" indent="-342264" defTabSz="449833">
+              <a:spcBef>
+                <a:spcPts val="3200"/>
+              </a:spcBef>
+              <a:defRPr sz="1800"/>
+            </a:pPr>
+            <a:r>
+              <a:rPr sz="2772"/>
+              <a:t>Developing Environment</a:t>
+            </a:r>
+            <a:endParaRPr sz="2772"/>
+          </a:p>
+          <a:p>
+            <a:pPr lvl="2" marL="1026794" indent="-342264" defTabSz="449833">
+              <a:spcBef>
+                <a:spcPts val="3200"/>
+              </a:spcBef>
+              <a:defRPr sz="1800"/>
+            </a:pPr>
+            <a:r>
+              <a:rPr sz="2772"/>
+              <a:t>VirtualBox Image: Ubuntu</a:t>
+            </a:r>
+          </a:p>
+        </p:txBody>
+      </p:sp>
+    </p:spTree>
+  </p:cSld>
+  <p:clrMapOvr>
+    <a:masterClrMapping/>
+  </p:clrMapOvr>
+  <p:transition spd="med" advClick="1"/>
+</p:sld>
+</file>
+
+<file path=ppt/slides/slide28.xml><?xml version="1.0" encoding="utf-8"?>
+<p:sld xmlns:a="http://schemas.openxmlformats.org/drawingml/2006/main" xmlns:r="http://schemas.openxmlformats.org/officeDocument/2006/relationships" xmlns:p="http://schemas.openxmlformats.org/presentationml/2006/main" showMasterSp="1" showMasterPhAnim="1">
+  <p:cSld>
+    <p:spTree>
+      <p:nvGrpSpPr>
+        <p:cNvPr id="1" name=""/>
+        <p:cNvGrpSpPr/>
+        <p:nvPr/>
+      </p:nvGrpSpPr>
+      <p:grpSpPr>
+        <a:xfrm>
+          <a:off x="0" y="0"/>
+          <a:ext cx="0" cy="0"/>
+          <a:chOff x="0" y="0"/>
+          <a:chExt cx="0" cy="0"/>
+        </a:xfrm>
+      </p:grpSpPr>
+      <p:sp>
+        <p:nvSpPr>
+          <p:cNvPr id="139" name="Shape 139"/>
+          <p:cNvSpPr/>
+          <p:nvPr>
+            <p:ph type="title"/>
+          </p:nvPr>
+        </p:nvSpPr>
+        <p:spPr>
+          <a:prstGeom prst="rect">
+            <a:avLst/>
+          </a:prstGeom>
+        </p:spPr>
+        <p:txBody>
+          <a:bodyPr/>
+          <a:lstStyle/>
+          <a:p>
+            <a:pPr lvl="0">
+              <a:defRPr sz="1800"/>
+            </a:pPr>
+            <a:r>
+              <a:rPr sz="8000"/>
+              <a:t>Reference</a:t>
+            </a:r>
+          </a:p>
+        </p:txBody>
+      </p:sp>
+      <p:sp>
+        <p:nvSpPr>
+          <p:cNvPr id="140" name="Shape 140"/>
+          <p:cNvSpPr/>
+          <p:nvPr>
+            <p:ph type="body" idx="1"/>
+          </p:nvPr>
+        </p:nvSpPr>
+        <p:spPr>
+          <a:prstGeom prst="rect">
+            <a:avLst/>
+          </a:prstGeom>
+        </p:spPr>
+        <p:txBody>
+          <a:bodyPr/>
+          <a:lstStyle/>
+          <a:p>
+            <a:pPr lvl="0" marL="266700" indent="-266700" defTabSz="350520">
+              <a:spcBef>
+                <a:spcPts val="2500"/>
+              </a:spcBef>
+              <a:defRPr sz="1800"/>
+            </a:pPr>
+            <a:r>
+              <a:rPr sz="2160"/>
+              <a:t>API Docs: </a:t>
+            </a:r>
+            <a:r>
+              <a:rPr sz="2160" u="sng">
+                <a:hlinkClick r:id="rId2" invalidUrl="" action="" tgtFrame="" tooltip="" history="1" highlightClick="0" endSnd="0"/>
+              </a:rPr>
+              <a:t>http://www.anc.org/projects/lapps/api/project-info.html</a:t>
+            </a:r>
+            <a:endParaRPr sz="2160"/>
+          </a:p>
+          <a:p>
+            <a:pPr lvl="0" marL="266700" indent="-266700" defTabSz="350520">
+              <a:spcBef>
+                <a:spcPts val="2500"/>
+              </a:spcBef>
+              <a:defRPr sz="1800"/>
+            </a:pPr>
+            <a:r>
+              <a:rPr sz="2160"/>
+              <a:t>Service Templates:</a:t>
+            </a:r>
+            <a:endParaRPr sz="2160"/>
+          </a:p>
+          <a:p>
+            <a:pPr lvl="1" marL="533400" indent="-266700" defTabSz="350520">
+              <a:spcBef>
+                <a:spcPts val="2500"/>
+              </a:spcBef>
+              <a:defRPr sz="1800"/>
+            </a:pPr>
+            <a:r>
+              <a:rPr sz="2160" u="sng">
+                <a:hlinkClick r:id="rId3" invalidUrl="" action="" tgtFrame="" tooltip="" history="1" highlightClick="0" endSnd="0"/>
+              </a:rPr>
+              <a:t>https://github.com/chunqishi/org.lappsgrid.example.java.helloworld</a:t>
+            </a:r>
+            <a:endParaRPr sz="2160"/>
+          </a:p>
+          <a:p>
+            <a:pPr lvl="1" marL="533400" indent="-266700" defTabSz="350520">
+              <a:spcBef>
+                <a:spcPts val="2500"/>
+              </a:spcBef>
+              <a:defRPr sz="1800"/>
+            </a:pPr>
+            <a:r>
+              <a:rPr sz="2160" u="sng">
+                <a:hlinkClick r:id="rId4" invalidUrl="" action="" tgtFrame="" tooltip="" history="1" highlightClick="0" endSnd="0"/>
+              </a:rPr>
+              <a:t>https://github.com/chunqishi/org.lappsgrid.example.java.stanfordnlp</a:t>
+            </a:r>
+            <a:endParaRPr sz="2160"/>
+          </a:p>
+          <a:p>
+            <a:pPr lvl="1" marL="533400" indent="-266700" defTabSz="350520">
+              <a:spcBef>
+                <a:spcPts val="2500"/>
+              </a:spcBef>
+              <a:defRPr sz="1800"/>
+            </a:pPr>
+            <a:r>
+              <a:rPr sz="2160" u="sng">
+                <a:hlinkClick r:id="rId5" invalidUrl="" action="" tgtFrame="" tooltip="" history="1" highlightClick="0" endSnd="0"/>
+              </a:rPr>
+              <a:t>https://github.com/chunqishi/org.lappsgrid.example.python.nltk</a:t>
+            </a:r>
+            <a:endParaRPr sz="2160"/>
+          </a:p>
+          <a:p>
+            <a:pPr lvl="0" marL="266700" indent="-266700" defTabSz="350520">
+              <a:spcBef>
+                <a:spcPts val="2500"/>
+              </a:spcBef>
+              <a:defRPr sz="1800"/>
+            </a:pPr>
+            <a:r>
+              <a:rPr sz="2160"/>
+              <a:t>Service Managers:</a:t>
+            </a:r>
+            <a:endParaRPr sz="2160"/>
+          </a:p>
+          <a:p>
+            <a:pPr lvl="1" marL="533400" indent="-266700" defTabSz="350520">
+              <a:spcBef>
+                <a:spcPts val="2500"/>
+              </a:spcBef>
+              <a:defRPr sz="1800"/>
+            </a:pPr>
+            <a:r>
+              <a:rPr sz="2160" u="sng">
+                <a:hlinkClick r:id="rId6" invalidUrl="" action="" tgtFrame="" tooltip="" history="1" highlightClick="0" endSnd="0"/>
+              </a:rPr>
+              <a:t>http://eldrad.cs-i.brandeis.edu/service_manager/language-services</a:t>
+            </a:r>
+            <a:endParaRPr sz="2160"/>
+          </a:p>
+          <a:p>
+            <a:pPr lvl="1" marL="533400" indent="-266700" defTabSz="350520">
+              <a:spcBef>
+                <a:spcPts val="2500"/>
+              </a:spcBef>
+              <a:defRPr sz="1800"/>
+            </a:pPr>
+            <a:r>
+              <a:rPr sz="2160" u="sng">
+                <a:hlinkClick r:id="rId7" invalidUrl="" action="" tgtFrame="" tooltip="" history="1" highlightClick="0" endSnd="0"/>
+              </a:rPr>
+              <a:t>http://grid.anc.org:8080/service_manager/language-services</a:t>
+            </a:r>
+            <a:endParaRPr sz="2160"/>
+          </a:p>
+          <a:p>
+            <a:pPr lvl="0" marL="266700" indent="-266700" defTabSz="350520">
+              <a:spcBef>
+                <a:spcPts val="2500"/>
+              </a:spcBef>
+              <a:defRPr sz="1800"/>
+            </a:pPr>
+            <a:r>
+              <a:rPr sz="2160"/>
+              <a:t>VirtualBox Image:</a:t>
+            </a:r>
+            <a:endParaRPr sz="2160"/>
+          </a:p>
+          <a:p>
+            <a:pPr lvl="1" marL="533400" indent="-266700" defTabSz="350520">
+              <a:spcBef>
+                <a:spcPts val="2500"/>
+              </a:spcBef>
+              <a:defRPr sz="1800"/>
+            </a:pPr>
+            <a:r>
+              <a:rPr sz="2160" u="sng">
+                <a:hlinkClick r:id="rId8" invalidUrl="" action="" tgtFrame="" tooltip="" history="1" highlightClick="0" endSnd="0"/>
+              </a:rPr>
+              <a:t>http://eldrad.cs-i.brandeis.edu/download/lapps-ubuntu-12.04-desktop-i386.tar.gz</a:t>
+            </a:r>
           </a:p>
         </p:txBody>
       </p:sp>
@@ -4807,6 +5163,111 @@
           </a:p>
         </p:txBody>
       </p:sp>
+      <p:pic>
+        <p:nvPicPr>
+          <p:cNvPr id="43" name="pasted-image.pdf"/>
+          <p:cNvPicPr/>
+          <p:nvPr/>
+        </p:nvPicPr>
+        <p:blipFill>
+          <a:blip r:embed="rId2">
+            <a:extLst/>
+          </a:blip>
+          <a:stretch>
+            <a:fillRect/>
+          </a:stretch>
+        </p:blipFill>
+        <p:spPr>
+          <a:xfrm>
+            <a:off x="1155700" y="4400832"/>
+            <a:ext cx="10161902" cy="4463640"/>
+          </a:xfrm>
+          <a:prstGeom prst="rect">
+            <a:avLst/>
+          </a:prstGeom>
+          <a:ln w="12700">
+            <a:miter lim="400000"/>
+          </a:ln>
+        </p:spPr>
+      </p:pic>
+      <p:sp>
+        <p:nvSpPr>
+          <p:cNvPr id="44" name="Shape 44"/>
+          <p:cNvSpPr/>
+          <p:nvPr/>
+        </p:nvSpPr>
+        <p:spPr>
+          <a:xfrm>
+            <a:off x="6895490" y="3098800"/>
+            <a:ext cx="3658821" cy="1193801"/>
+          </a:xfrm>
+          <a:prstGeom prst="rect">
+            <a:avLst/>
+          </a:prstGeom>
+          <a:ln w="12700">
+            <a:miter lim="400000"/>
+          </a:ln>
+          <a:extLst>
+            <a:ext uri="{C572A759-6A51-4108-AA02-DFA0A04FC94B}">
+              <ma14:wrappingTextBoxFlag xmlns:ma14="http://schemas.microsoft.com/office/mac/drawingml/2011/main" val="1"/>
+            </a:ext>
+          </a:extLst>
+        </p:spPr>
+        <p:txBody>
+          <a:bodyPr lIns="50800" tIns="50800" rIns="50800" bIns="50800" anchor="ctr">
+            <a:spAutoFit/>
+          </a:bodyPr>
+          <a:lstStyle/>
+          <a:p>
+            <a:pPr lvl="0">
+              <a:defRPr sz="1800"/>
+            </a:pPr>
+            <a:r>
+              <a:rPr sz="3600"/>
+              <a:t>Wrapping Atomic Lapps Services</a:t>
+            </a:r>
+          </a:p>
+        </p:txBody>
+      </p:sp>
+      <p:sp>
+        <p:nvSpPr>
+          <p:cNvPr id="45" name="Shape 45"/>
+          <p:cNvSpPr/>
+          <p:nvPr/>
+        </p:nvSpPr>
+        <p:spPr>
+          <a:xfrm>
+            <a:off x="2361590" y="3098800"/>
+            <a:ext cx="3658821" cy="1193801"/>
+          </a:xfrm>
+          <a:prstGeom prst="rect">
+            <a:avLst/>
+          </a:prstGeom>
+          <a:ln w="12700">
+            <a:miter lim="400000"/>
+          </a:ln>
+          <a:extLst>
+            <a:ext uri="{C572A759-6A51-4108-AA02-DFA0A04FC94B}">
+              <ma14:wrappingTextBoxFlag xmlns:ma14="http://schemas.microsoft.com/office/mac/drawingml/2011/main" val="1"/>
+            </a:ext>
+          </a:extLst>
+        </p:spPr>
+        <p:txBody>
+          <a:bodyPr lIns="50800" tIns="50800" rIns="50800" bIns="50800" anchor="ctr">
+            <a:spAutoFit/>
+          </a:bodyPr>
+          <a:lstStyle/>
+          <a:p>
+            <a:pPr lvl="0">
+              <a:defRPr sz="1800"/>
+            </a:pPr>
+            <a:r>
+              <a:rPr sz="3600"/>
+              <a:t>Using Composite Lapps Services</a:t>
+            </a:r>
+          </a:p>
+        </p:txBody>
+      </p:sp>
     </p:spTree>
   </p:cSld>
   <p:clrMapOvr>
@@ -4835,7 +5296,7 @@
       </p:grpSpPr>
       <p:sp>
         <p:nvSpPr>
-          <p:cNvPr id="44" name="Shape 44"/>
+          <p:cNvPr id="47" name="Shape 47"/>
           <p:cNvSpPr/>
           <p:nvPr>
             <p:ph type="title"/>
@@ -4862,7 +5323,7 @@
       </p:sp>
       <p:sp>
         <p:nvSpPr>
-          <p:cNvPr id="45" name="Shape 45"/>
+          <p:cNvPr id="48" name="Shape 48"/>
           <p:cNvSpPr/>
           <p:nvPr>
             <p:ph type="body" idx="1"/>
@@ -4882,7 +5343,7 @@
             </a:pPr>
             <a:r>
               <a:rPr sz="3600"/>
-              <a:t>Unique Interface</a:t>
+              <a:t>Consistent Interface</a:t>
             </a:r>
             <a:endParaRPr sz="3600"/>
           </a:p>
@@ -4935,7 +5396,7 @@
       </p:grpSpPr>
       <p:sp>
         <p:nvSpPr>
-          <p:cNvPr id="47" name="Shape 47"/>
+          <p:cNvPr id="50" name="Shape 50"/>
           <p:cNvSpPr/>
           <p:nvPr>
             <p:ph type="title"/>
@@ -4948,21 +5409,25 @@
         </p:spPr>
         <p:txBody>
           <a:bodyPr/>
-          <a:lstStyle/>
+          <a:lstStyle>
+            <a:lvl1pPr defTabSz="525779">
+              <a:defRPr sz="7200"/>
+            </a:lvl1pPr>
+          </a:lstStyle>
           <a:p>
             <a:pPr lvl="0">
               <a:defRPr sz="1800"/>
             </a:pPr>
             <a:r>
-              <a:rPr sz="8000"/>
-              <a:t>Interface (Java)</a:t>
+              <a:rPr sz="7200"/>
+              <a:t>Consistent Interface (Java)</a:t>
             </a:r>
           </a:p>
         </p:txBody>
       </p:sp>
       <p:sp>
         <p:nvSpPr>
-          <p:cNvPr id="48" name="Shape 48"/>
+          <p:cNvPr id="51" name="Shape 51"/>
           <p:cNvSpPr/>
           <p:nvPr>
             <p:ph type="body" idx="1"/>
@@ -4983,7 +5448,7 @@
       </p:sp>
       <p:pic>
         <p:nvPicPr>
-          <p:cNvPr id="49" name="WebService_interface.png"/>
+          <p:cNvPr id="52" name="WebService_interface.png"/>
           <p:cNvPicPr/>
           <p:nvPr/>
         </p:nvPicPr>
@@ -5036,7 +5501,7 @@
       </p:grpSpPr>
       <p:sp>
         <p:nvSpPr>
-          <p:cNvPr id="51" name="Shape 51"/>
+          <p:cNvPr id="54" name="Shape 54"/>
           <p:cNvSpPr/>
           <p:nvPr>
             <p:ph type="title"/>
@@ -5049,25 +5514,34 @@
         </p:spPr>
         <p:txBody>
           <a:bodyPr/>
-          <a:lstStyle>
-            <a:lvl1pPr defTabSz="566674">
-              <a:defRPr sz="7760"/>
-            </a:lvl1pPr>
-          </a:lstStyle>
+          <a:lstStyle/>
           <a:p>
             <a:pPr lvl="0">
               <a:defRPr sz="1800"/>
             </a:pPr>
             <a:r>
-              <a:rPr sz="7760"/>
-              <a:t>Lapps Service Wrapping</a:t>
-            </a:r>
+              <a:rPr sz="6000"/>
+              <a:t>Discriminator</a:t>
+            </a:r>
+            <a:endParaRPr sz="6000"/>
+          </a:p>
+          <a:p>
+            <a:pPr lvl="0">
+              <a:defRPr sz="1800"/>
+            </a:pPr>
+            <a:endParaRPr sz="6000"/>
+          </a:p>
+          <a:p>
+            <a:pPr lvl="0">
+              <a:defRPr sz="1800"/>
+            </a:pPr>
+            <a:endParaRPr sz="6000"/>
           </a:p>
         </p:txBody>
       </p:sp>
       <p:sp>
         <p:nvSpPr>
-          <p:cNvPr id="52" name="Shape 52"/>
+          <p:cNvPr id="55" name="Shape 55"/>
           <p:cNvSpPr/>
           <p:nvPr>
             <p:ph type="body" idx="1"/>
@@ -5082,66 +5556,53 @@
           <a:bodyPr/>
           <a:lstStyle/>
           <a:p>
-            <a:pPr lvl="0">
-              <a:defRPr sz="1800"/>
-            </a:pPr>
-            <a:r>
-              <a:rPr sz="3600"/>
-              <a:t>Service Grid (Web Service) and Service Manager</a:t>
-            </a:r>
-            <a:endParaRPr sz="3600"/>
-          </a:p>
-          <a:p>
-            <a:pPr lvl="1">
-              <a:defRPr sz="1800"/>
-            </a:pPr>
-            <a:r>
-              <a:rPr sz="3600"/>
-              <a:t>Java Library to WSDL Web Service</a:t>
-            </a:r>
-            <a:endParaRPr sz="3600"/>
-          </a:p>
-          <a:p>
-            <a:pPr lvl="1">
-              <a:defRPr sz="1800"/>
-            </a:pPr>
-            <a:r>
-              <a:rPr sz="3600"/>
-              <a:t>Service Manager for Register Web Services</a:t>
-            </a:r>
-            <a:endParaRPr sz="3600"/>
-          </a:p>
-          <a:p>
-            <a:pPr lvl="0">
-              <a:defRPr sz="1800"/>
-            </a:pPr>
-            <a:r>
-              <a:rPr sz="3600"/>
-              <a:t>Lapps Service</a:t>
-            </a:r>
-            <a:endParaRPr sz="3600"/>
-          </a:p>
-          <a:p>
-            <a:pPr lvl="1">
-              <a:defRPr sz="1800"/>
-            </a:pPr>
-            <a:r>
-              <a:rPr sz="3600"/>
-              <a:t>NLP library + Lapps API  to  Lapps Service</a:t>
-            </a:r>
-            <a:endParaRPr sz="3600"/>
-          </a:p>
-          <a:p>
-            <a:pPr lvl="1">
-              <a:defRPr sz="1800"/>
-            </a:pPr>
-            <a:r>
-              <a:rPr sz="3600"/>
-              <a:t>Lapps Grid for Register Lapps Service</a:t>
+            <a:pPr lvl="0" algn="l">
+              <a:defRPr sz="1800"/>
+            </a:pPr>
+            <a:r>
+              <a:rPr sz="3200"/>
+              <a:t>long [] requires()</a:t>
+            </a:r>
+            <a:endParaRPr sz="3200"/>
+          </a:p>
+          <a:p>
+            <a:pPr lvl="0" algn="l">
+              <a:defRPr sz="1800"/>
+            </a:pPr>
+            <a:r>
+              <a:rPr sz="3200"/>
+              <a:t>long [] produces()</a:t>
             </a:r>
           </a:p>
         </p:txBody>
       </p:sp>
+      <p:pic>
+        <p:nvPicPr>
+          <p:cNvPr id="56" name="Discriminator_values.png"/>
+          <p:cNvPicPr/>
+          <p:nvPr/>
+        </p:nvPicPr>
+        <p:blipFill>
+          <a:blip r:embed="rId2">
+            <a:extLst/>
+          </a:blip>
+          <a:stretch>
+            <a:fillRect/>
+          </a:stretch>
+        </p:blipFill>
+        <p:spPr>
+          <a:xfrm>
+            <a:off x="6718300" y="775175"/>
+            <a:ext cx="3764883" cy="8203250"/>
+          </a:xfrm>
+          <a:prstGeom prst="rect">
+            <a:avLst/>
+          </a:prstGeom>
+          <a:ln w="12700">
+            <a:miter lim="400000"/>
+          </a:ln>
+        </p:spPr>
+      </p:pic>
     </p:spTree>
   </p:cSld>
   <p:clrMapOvr>
@@ -5170,7 +5631,7 @@
       </p:grpSpPr>
       <p:sp>
         <p:nvSpPr>
-          <p:cNvPr id="54" name="Shape 54"/>
+          <p:cNvPr id="58" name="Shape 58"/>
           <p:cNvSpPr/>
           <p:nvPr>
             <p:ph type="title"/>
@@ -5183,99 +5644,45 @@
         </p:spPr>
         <p:txBody>
           <a:bodyPr/>
-          <a:lstStyle>
-            <a:lvl1pPr defTabSz="549148">
-              <a:defRPr sz="7519"/>
-            </a:lvl1pPr>
-          </a:lstStyle>
+          <a:lstStyle/>
           <a:p>
             <a:pPr lvl="0">
               <a:defRPr sz="1800"/>
             </a:pPr>
             <a:r>
-              <a:rPr sz="7519"/>
-              <a:t>Service Wrapping Tutorial</a:t>
+              <a:rPr sz="8000"/>
+              <a:t>JSON</a:t>
             </a:r>
           </a:p>
         </p:txBody>
       </p:sp>
-      <p:sp>
-        <p:nvSpPr>
-          <p:cNvPr id="55" name="Shape 55"/>
-          <p:cNvSpPr/>
-          <p:nvPr>
-            <p:ph type="body" idx="1"/>
-          </p:nvPr>
-        </p:nvSpPr>
-        <p:spPr>
-          <a:prstGeom prst="rect">
-            <a:avLst/>
-          </a:prstGeom>
-        </p:spPr>
-        <p:txBody>
-          <a:bodyPr/>
-          <a:lstStyle/>
-          <a:p>
-            <a:pPr lvl="0">
-              <a:defRPr sz="1800"/>
-            </a:pPr>
-            <a:r>
-              <a:rPr sz="3600"/>
-              <a:t>Web Service: “Hello World!” </a:t>
-            </a:r>
-            <a:endParaRPr sz="3600"/>
-          </a:p>
-          <a:p>
-            <a:pPr lvl="1">
-              <a:defRPr sz="1800"/>
-            </a:pPr>
-            <a:r>
-              <a:rPr sz="3600"/>
-              <a:t>“Hello World” Program (Java) —&gt; WSDL </a:t>
-            </a:r>
-            <a:endParaRPr sz="3600"/>
-          </a:p>
-          <a:p>
-            <a:pPr lvl="0">
-              <a:defRPr sz="1800"/>
-            </a:pPr>
-            <a:r>
-              <a:rPr sz="3600"/>
-              <a:t>Lapps Service: “Stanford Tagger”</a:t>
-            </a:r>
-            <a:endParaRPr sz="3600"/>
-          </a:p>
-          <a:p>
-            <a:pPr lvl="1">
-              <a:defRPr sz="1800"/>
-            </a:pPr>
-            <a:r>
-              <a:rPr sz="3600"/>
-              <a:t>Stanford Tagger (Java) + Lapps API —&gt; WSDL</a:t>
-            </a:r>
-            <a:endParaRPr sz="3600"/>
-          </a:p>
-          <a:p>
-            <a:pPr lvl="0">
-              <a:defRPr sz="1800"/>
-            </a:pPr>
-            <a:r>
-              <a:rPr sz="3600"/>
-              <a:t>Lapps Service: “NLTK Tagger”</a:t>
-            </a:r>
-            <a:endParaRPr sz="3600"/>
-          </a:p>
-          <a:p>
-            <a:pPr lvl="1">
-              <a:defRPr sz="1800"/>
-            </a:pPr>
-            <a:r>
-              <a:rPr sz="3600"/>
-              <a:t>NLTK Tagger (Python) + Lapps API —&gt;WSDL</a:t>
-            </a:r>
-          </a:p>
-        </p:txBody>
-      </p:sp>
+      <p:pic>
+        <p:nvPicPr>
+          <p:cNvPr id="59" name="pasted-image.png"/>
+          <p:cNvPicPr/>
+          <p:nvPr/>
+        </p:nvPicPr>
+        <p:blipFill>
+          <a:blip r:embed="rId2">
+            <a:extLst/>
+          </a:blip>
+          <a:stretch>
+            <a:fillRect/>
+          </a:stretch>
+        </p:blipFill>
+        <p:spPr>
+          <a:xfrm>
+            <a:off x="2311400" y="3042138"/>
+            <a:ext cx="8094785" cy="5396524"/>
+          </a:xfrm>
+          <a:prstGeom prst="rect">
+            <a:avLst/>
+          </a:prstGeom>
+          <a:ln w="12700">
+            <a:miter lim="400000"/>
+          </a:ln>
+        </p:spPr>
+      </p:pic>
     </p:spTree>
   </p:cSld>
   <p:clrMapOvr>
@@ -5304,7 +5711,7 @@
       </p:grpSpPr>
       <p:sp>
         <p:nvSpPr>
-          <p:cNvPr id="57" name="Shape 57"/>
+          <p:cNvPr id="61" name="Shape 61"/>
           <p:cNvSpPr/>
           <p:nvPr>
             <p:ph type="title"/>
@@ -5317,14 +5724,75 @@
         </p:spPr>
         <p:txBody>
           <a:bodyPr/>
+          <a:lstStyle>
+            <a:lvl1pPr defTabSz="525779">
+              <a:defRPr sz="7200"/>
+            </a:lvl1pPr>
+          </a:lstStyle>
+          <a:p>
+            <a:pPr lvl="0">
+              <a:defRPr sz="1800"/>
+            </a:pPr>
+            <a:r>
+              <a:rPr sz="7200"/>
+              <a:t>Contributing to Lapps Grid</a:t>
+            </a:r>
+          </a:p>
+        </p:txBody>
+      </p:sp>
+      <p:sp>
+        <p:nvSpPr>
+          <p:cNvPr id="62" name="Shape 62"/>
+          <p:cNvSpPr/>
+          <p:nvPr>
+            <p:ph type="body" idx="1"/>
+          </p:nvPr>
+        </p:nvSpPr>
+        <p:spPr>
+          <a:prstGeom prst="rect">
+            <a:avLst/>
+          </a:prstGeom>
+        </p:spPr>
+        <p:txBody>
+          <a:bodyPr/>
           <a:lstStyle/>
           <a:p>
             <a:pPr lvl="0">
               <a:defRPr sz="1800"/>
             </a:pPr>
             <a:r>
-              <a:rPr sz="8000"/>
-              <a:t>Web Service Wrapping</a:t>
+              <a:rPr sz="3600"/>
+              <a:t>Wrapping Lapps Service</a:t>
+            </a:r>
+            <a:endParaRPr sz="3600"/>
+          </a:p>
+          <a:p>
+            <a:pPr lvl="1">
+              <a:defRPr sz="1800"/>
+            </a:pPr>
+            <a:r>
+              <a:rPr sz="3600"/>
+              <a:t>NLP tools + Lapps API  to atomic Lapps service</a:t>
+            </a:r>
+            <a:endParaRPr sz="3600"/>
+          </a:p>
+          <a:p>
+            <a:pPr lvl="0">
+              <a:defRPr sz="1800"/>
+            </a:pPr>
+            <a:r>
+              <a:rPr sz="3600"/>
+              <a:t>Registering to Service Manager</a:t>
+            </a:r>
+            <a:endParaRPr sz="3600"/>
+          </a:p>
+          <a:p>
+            <a:pPr lvl="1">
+              <a:defRPr sz="1800"/>
+            </a:pPr>
+            <a:r>
+              <a:rPr sz="3600"/>
+              <a:t>Atomic Lapps services become available for searching and compositing</a:t>
             </a:r>
           </a:p>
         </p:txBody>
